--- a/14-Machine-Learning-Introduction/14-2-Evaluation-Performance-Of-Classfication-Error-Metrics/slides.pptx
+++ b/14-Machine-Learning-Introduction/14-2-Evaluation-Performance-Of-Classfication-Error-Metrics/slides.pptx
@@ -11,6 +11,29 @@
     <p:sldId id="259" r:id="rId5"/>
     <p:sldId id="260" r:id="rId6"/>
     <p:sldId id="261" r:id="rId7"/>
+    <p:sldId id="262" r:id="rId8"/>
+    <p:sldId id="263" r:id="rId9"/>
+    <p:sldId id="264" r:id="rId10"/>
+    <p:sldId id="265" r:id="rId11"/>
+    <p:sldId id="266" r:id="rId12"/>
+    <p:sldId id="267" r:id="rId13"/>
+    <p:sldId id="268" r:id="rId14"/>
+    <p:sldId id="269" r:id="rId15"/>
+    <p:sldId id="270" r:id="rId16"/>
+    <p:sldId id="271" r:id="rId17"/>
+    <p:sldId id="272" r:id="rId18"/>
+    <p:sldId id="273" r:id="rId19"/>
+    <p:sldId id="274" r:id="rId20"/>
+    <p:sldId id="275" r:id="rId21"/>
+    <p:sldId id="276" r:id="rId22"/>
+    <p:sldId id="277" r:id="rId23"/>
+    <p:sldId id="278" r:id="rId24"/>
+    <p:sldId id="279" r:id="rId25"/>
+    <p:sldId id="280" r:id="rId26"/>
+    <p:sldId id="281" r:id="rId27"/>
+    <p:sldId id="282" r:id="rId28"/>
+    <p:sldId id="283" r:id="rId29"/>
+    <p:sldId id="284" r:id="rId30"/>
   </p:sldIdLst>
   <p:sldSz cx="12192000" cy="6858000"/>
   <p:notesSz cx="6858000" cy="9144000"/>
@@ -109,6 +132,11 @@
       </a:defRPr>
     </a:lvl9pPr>
   </p:defaultTextStyle>
+  <p:extLst>
+    <p:ext uri="{EFAFB233-063F-42B5-8137-9DF3F51BA10A}">
+      <p15:sldGuideLst xmlns:p15="http://schemas.microsoft.com/office/powerpoint/2012/main"/>
+    </p:ext>
+  </p:extLst>
 </p:presentation>
 </file>
 
@@ -117,18 +145,18 @@
   <pc:docChgLst>
     <pc:chgData name="sahdev ghorela" userId="aab1b882d8501027" providerId="LiveId" clId="{3AAE3E15-9EB6-4B13-A64A-00DDB79CB83C}"/>
     <pc:docChg chg="undo custSel addSld modSld">
-      <pc:chgData name="sahdev ghorela" userId="aab1b882d8501027" providerId="LiveId" clId="{3AAE3E15-9EB6-4B13-A64A-00DDB79CB83C}" dt="2024-09-24T21:43:53.693" v="118" actId="1076"/>
+      <pc:chgData name="sahdev ghorela" userId="aab1b882d8501027" providerId="LiveId" clId="{3AAE3E15-9EB6-4B13-A64A-00DDB79CB83C}" dt="2024-10-01T21:45:29.012" v="217" actId="20577"/>
       <pc:docMkLst>
         <pc:docMk/>
       </pc:docMkLst>
       <pc:sldChg chg="addSp delSp modSp new mod">
-        <pc:chgData name="sahdev ghorela" userId="aab1b882d8501027" providerId="LiveId" clId="{3AAE3E15-9EB6-4B13-A64A-00DDB79CB83C}" dt="2024-09-24T21:41:46.604" v="96" actId="1076"/>
+        <pc:chgData name="sahdev ghorela" userId="aab1b882d8501027" providerId="LiveId" clId="{3AAE3E15-9EB6-4B13-A64A-00DDB79CB83C}" dt="2024-10-01T21:45:29.012" v="217" actId="20577"/>
         <pc:sldMkLst>
           <pc:docMk/>
           <pc:sldMk cId="744276620" sldId="256"/>
         </pc:sldMkLst>
         <pc:spChg chg="mod">
-          <ac:chgData name="sahdev ghorela" userId="aab1b882d8501027" providerId="LiveId" clId="{3AAE3E15-9EB6-4B13-A64A-00DDB79CB83C}" dt="2024-09-24T21:41:46.604" v="96" actId="1076"/>
+          <ac:chgData name="sahdev ghorela" userId="aab1b882d8501027" providerId="LiveId" clId="{3AAE3E15-9EB6-4B13-A64A-00DDB79CB83C}" dt="2024-10-01T21:45:29.012" v="217" actId="20577"/>
           <ac:spMkLst>
             <pc:docMk/>
             <pc:sldMk cId="744276620" sldId="256"/>
@@ -275,6 +303,543 @@
           </ac:picMkLst>
         </pc:picChg>
       </pc:sldChg>
+      <pc:sldChg chg="addSp delSp modSp add mod">
+        <pc:chgData name="sahdev ghorela" userId="aab1b882d8501027" providerId="LiveId" clId="{3AAE3E15-9EB6-4B13-A64A-00DDB79CB83C}" dt="2024-09-30T20:23:43.471" v="122" actId="1076"/>
+        <pc:sldMkLst>
+          <pc:docMk/>
+          <pc:sldMk cId="4199653636" sldId="262"/>
+        </pc:sldMkLst>
+        <pc:picChg chg="del">
+          <ac:chgData name="sahdev ghorela" userId="aab1b882d8501027" providerId="LiveId" clId="{3AAE3E15-9EB6-4B13-A64A-00DDB79CB83C}" dt="2024-09-30T20:22:19.910" v="120" actId="478"/>
+          <ac:picMkLst>
+            <pc:docMk/>
+            <pc:sldMk cId="4199653636" sldId="262"/>
+            <ac:picMk id="4" creationId="{0E3EB23C-51E1-8B66-606F-20AB7F2B15FA}"/>
+          </ac:picMkLst>
+        </pc:picChg>
+        <pc:picChg chg="add mod">
+          <ac:chgData name="sahdev ghorela" userId="aab1b882d8501027" providerId="LiveId" clId="{3AAE3E15-9EB6-4B13-A64A-00DDB79CB83C}" dt="2024-09-30T20:23:43.471" v="122" actId="1076"/>
+          <ac:picMkLst>
+            <pc:docMk/>
+            <pc:sldMk cId="4199653636" sldId="262"/>
+            <ac:picMk id="5" creationId="{42E5D75D-CF01-2BCB-ADA5-9200EB8D9297}"/>
+          </ac:picMkLst>
+        </pc:picChg>
+      </pc:sldChg>
+      <pc:sldChg chg="addSp delSp modSp add mod">
+        <pc:chgData name="sahdev ghorela" userId="aab1b882d8501027" providerId="LiveId" clId="{3AAE3E15-9EB6-4B13-A64A-00DDB79CB83C}" dt="2024-09-30T20:24:11.599" v="126" actId="1076"/>
+        <pc:sldMkLst>
+          <pc:docMk/>
+          <pc:sldMk cId="1854280312" sldId="263"/>
+        </pc:sldMkLst>
+        <pc:picChg chg="add mod">
+          <ac:chgData name="sahdev ghorela" userId="aab1b882d8501027" providerId="LiveId" clId="{3AAE3E15-9EB6-4B13-A64A-00DDB79CB83C}" dt="2024-09-30T20:24:11.599" v="126" actId="1076"/>
+          <ac:picMkLst>
+            <pc:docMk/>
+            <pc:sldMk cId="1854280312" sldId="263"/>
+            <ac:picMk id="4" creationId="{01251F97-F1FC-86C6-E33D-6336368770C7}"/>
+          </ac:picMkLst>
+        </pc:picChg>
+        <pc:picChg chg="del">
+          <ac:chgData name="sahdev ghorela" userId="aab1b882d8501027" providerId="LiveId" clId="{3AAE3E15-9EB6-4B13-A64A-00DDB79CB83C}" dt="2024-09-30T20:23:51.495" v="124" actId="478"/>
+          <ac:picMkLst>
+            <pc:docMk/>
+            <pc:sldMk cId="1854280312" sldId="263"/>
+            <ac:picMk id="5" creationId="{42E5D75D-CF01-2BCB-ADA5-9200EB8D9297}"/>
+          </ac:picMkLst>
+        </pc:picChg>
+      </pc:sldChg>
+      <pc:sldChg chg="addSp delSp modSp add mod">
+        <pc:chgData name="sahdev ghorela" userId="aab1b882d8501027" providerId="LiveId" clId="{3AAE3E15-9EB6-4B13-A64A-00DDB79CB83C}" dt="2024-09-30T20:24:45.670" v="131" actId="14100"/>
+        <pc:sldMkLst>
+          <pc:docMk/>
+          <pc:sldMk cId="2206804692" sldId="264"/>
+        </pc:sldMkLst>
+        <pc:picChg chg="del">
+          <ac:chgData name="sahdev ghorela" userId="aab1b882d8501027" providerId="LiveId" clId="{3AAE3E15-9EB6-4B13-A64A-00DDB79CB83C}" dt="2024-09-30T20:24:16.026" v="128" actId="478"/>
+          <ac:picMkLst>
+            <pc:docMk/>
+            <pc:sldMk cId="2206804692" sldId="264"/>
+            <ac:picMk id="4" creationId="{01251F97-F1FC-86C6-E33D-6336368770C7}"/>
+          </ac:picMkLst>
+        </pc:picChg>
+        <pc:picChg chg="add mod">
+          <ac:chgData name="sahdev ghorela" userId="aab1b882d8501027" providerId="LiveId" clId="{3AAE3E15-9EB6-4B13-A64A-00DDB79CB83C}" dt="2024-09-30T20:24:45.670" v="131" actId="14100"/>
+          <ac:picMkLst>
+            <pc:docMk/>
+            <pc:sldMk cId="2206804692" sldId="264"/>
+            <ac:picMk id="5" creationId="{361DA61A-66C1-F9BA-AC18-089B76A29F81}"/>
+          </ac:picMkLst>
+        </pc:picChg>
+      </pc:sldChg>
+      <pc:sldChg chg="addSp delSp modSp add mod">
+        <pc:chgData name="sahdev ghorela" userId="aab1b882d8501027" providerId="LiveId" clId="{3AAE3E15-9EB6-4B13-A64A-00DDB79CB83C}" dt="2024-09-30T20:25:08.248" v="135" actId="1076"/>
+        <pc:sldMkLst>
+          <pc:docMk/>
+          <pc:sldMk cId="1393290926" sldId="265"/>
+        </pc:sldMkLst>
+        <pc:picChg chg="add mod">
+          <ac:chgData name="sahdev ghorela" userId="aab1b882d8501027" providerId="LiveId" clId="{3AAE3E15-9EB6-4B13-A64A-00DDB79CB83C}" dt="2024-09-30T20:25:08.248" v="135" actId="1076"/>
+          <ac:picMkLst>
+            <pc:docMk/>
+            <pc:sldMk cId="1393290926" sldId="265"/>
+            <ac:picMk id="4" creationId="{98430E10-901D-8752-054C-0BEDE7D64B6E}"/>
+          </ac:picMkLst>
+        </pc:picChg>
+        <pc:picChg chg="del">
+          <ac:chgData name="sahdev ghorela" userId="aab1b882d8501027" providerId="LiveId" clId="{3AAE3E15-9EB6-4B13-A64A-00DDB79CB83C}" dt="2024-09-30T20:24:49.488" v="133" actId="478"/>
+          <ac:picMkLst>
+            <pc:docMk/>
+            <pc:sldMk cId="1393290926" sldId="265"/>
+            <ac:picMk id="5" creationId="{361DA61A-66C1-F9BA-AC18-089B76A29F81}"/>
+          </ac:picMkLst>
+        </pc:picChg>
+      </pc:sldChg>
+      <pc:sldChg chg="addSp delSp modSp add mod">
+        <pc:chgData name="sahdev ghorela" userId="aab1b882d8501027" providerId="LiveId" clId="{3AAE3E15-9EB6-4B13-A64A-00DDB79CB83C}" dt="2024-09-30T20:26:17.825" v="139" actId="1076"/>
+        <pc:sldMkLst>
+          <pc:docMk/>
+          <pc:sldMk cId="3328528288" sldId="266"/>
+        </pc:sldMkLst>
+        <pc:picChg chg="del">
+          <ac:chgData name="sahdev ghorela" userId="aab1b882d8501027" providerId="LiveId" clId="{3AAE3E15-9EB6-4B13-A64A-00DDB79CB83C}" dt="2024-09-30T20:25:12.166" v="137" actId="478"/>
+          <ac:picMkLst>
+            <pc:docMk/>
+            <pc:sldMk cId="3328528288" sldId="266"/>
+            <ac:picMk id="4" creationId="{98430E10-901D-8752-054C-0BEDE7D64B6E}"/>
+          </ac:picMkLst>
+        </pc:picChg>
+        <pc:picChg chg="add mod">
+          <ac:chgData name="sahdev ghorela" userId="aab1b882d8501027" providerId="LiveId" clId="{3AAE3E15-9EB6-4B13-A64A-00DDB79CB83C}" dt="2024-09-30T20:26:17.825" v="139" actId="1076"/>
+          <ac:picMkLst>
+            <pc:docMk/>
+            <pc:sldMk cId="3328528288" sldId="266"/>
+            <ac:picMk id="5" creationId="{A44F97B3-E95D-767F-4CAC-3E55F2D199DA}"/>
+          </ac:picMkLst>
+        </pc:picChg>
+      </pc:sldChg>
+      <pc:sldChg chg="addSp delSp modSp add mod">
+        <pc:chgData name="sahdev ghorela" userId="aab1b882d8501027" providerId="LiveId" clId="{3AAE3E15-9EB6-4B13-A64A-00DDB79CB83C}" dt="2024-09-30T20:26:49.698" v="143" actId="1076"/>
+        <pc:sldMkLst>
+          <pc:docMk/>
+          <pc:sldMk cId="1339510581" sldId="267"/>
+        </pc:sldMkLst>
+        <pc:picChg chg="add mod">
+          <ac:chgData name="sahdev ghorela" userId="aab1b882d8501027" providerId="LiveId" clId="{3AAE3E15-9EB6-4B13-A64A-00DDB79CB83C}" dt="2024-09-30T20:26:49.698" v="143" actId="1076"/>
+          <ac:picMkLst>
+            <pc:docMk/>
+            <pc:sldMk cId="1339510581" sldId="267"/>
+            <ac:picMk id="4" creationId="{5D342342-10CE-6F12-663F-567B77CE278B}"/>
+          </ac:picMkLst>
+        </pc:picChg>
+        <pc:picChg chg="del">
+          <ac:chgData name="sahdev ghorela" userId="aab1b882d8501027" providerId="LiveId" clId="{3AAE3E15-9EB6-4B13-A64A-00DDB79CB83C}" dt="2024-09-30T20:26:28.576" v="141" actId="478"/>
+          <ac:picMkLst>
+            <pc:docMk/>
+            <pc:sldMk cId="1339510581" sldId="267"/>
+            <ac:picMk id="5" creationId="{A44F97B3-E95D-767F-4CAC-3E55F2D199DA}"/>
+          </ac:picMkLst>
+        </pc:picChg>
+      </pc:sldChg>
+      <pc:sldChg chg="addSp delSp modSp add mod">
+        <pc:chgData name="sahdev ghorela" userId="aab1b882d8501027" providerId="LiveId" clId="{3AAE3E15-9EB6-4B13-A64A-00DDB79CB83C}" dt="2024-09-30T20:27:26.218" v="147" actId="1076"/>
+        <pc:sldMkLst>
+          <pc:docMk/>
+          <pc:sldMk cId="951727996" sldId="268"/>
+        </pc:sldMkLst>
+        <pc:picChg chg="del">
+          <ac:chgData name="sahdev ghorela" userId="aab1b882d8501027" providerId="LiveId" clId="{3AAE3E15-9EB6-4B13-A64A-00DDB79CB83C}" dt="2024-09-30T20:27:05.965" v="145" actId="478"/>
+          <ac:picMkLst>
+            <pc:docMk/>
+            <pc:sldMk cId="951727996" sldId="268"/>
+            <ac:picMk id="4" creationId="{5D342342-10CE-6F12-663F-567B77CE278B}"/>
+          </ac:picMkLst>
+        </pc:picChg>
+        <pc:picChg chg="add mod">
+          <ac:chgData name="sahdev ghorela" userId="aab1b882d8501027" providerId="LiveId" clId="{3AAE3E15-9EB6-4B13-A64A-00DDB79CB83C}" dt="2024-09-30T20:27:26.218" v="147" actId="1076"/>
+          <ac:picMkLst>
+            <pc:docMk/>
+            <pc:sldMk cId="951727996" sldId="268"/>
+            <ac:picMk id="5" creationId="{81661CDF-CB11-FCAE-0B98-49C69B7862E1}"/>
+          </ac:picMkLst>
+        </pc:picChg>
+      </pc:sldChg>
+      <pc:sldChg chg="addSp delSp modSp add mod">
+        <pc:chgData name="sahdev ghorela" userId="aab1b882d8501027" providerId="LiveId" clId="{3AAE3E15-9EB6-4B13-A64A-00DDB79CB83C}" dt="2024-09-30T20:27:58.013" v="151" actId="1076"/>
+        <pc:sldMkLst>
+          <pc:docMk/>
+          <pc:sldMk cId="2698558125" sldId="269"/>
+        </pc:sldMkLst>
+        <pc:picChg chg="add mod">
+          <ac:chgData name="sahdev ghorela" userId="aab1b882d8501027" providerId="LiveId" clId="{3AAE3E15-9EB6-4B13-A64A-00DDB79CB83C}" dt="2024-09-30T20:27:58.013" v="151" actId="1076"/>
+          <ac:picMkLst>
+            <pc:docMk/>
+            <pc:sldMk cId="2698558125" sldId="269"/>
+            <ac:picMk id="4" creationId="{FD7B9908-84E0-B01B-6F86-1123E1B1229A}"/>
+          </ac:picMkLst>
+        </pc:picChg>
+        <pc:picChg chg="del">
+          <ac:chgData name="sahdev ghorela" userId="aab1b882d8501027" providerId="LiveId" clId="{3AAE3E15-9EB6-4B13-A64A-00DDB79CB83C}" dt="2024-09-30T20:27:30.574" v="149" actId="478"/>
+          <ac:picMkLst>
+            <pc:docMk/>
+            <pc:sldMk cId="2698558125" sldId="269"/>
+            <ac:picMk id="5" creationId="{81661CDF-CB11-FCAE-0B98-49C69B7862E1}"/>
+          </ac:picMkLst>
+        </pc:picChg>
+      </pc:sldChg>
+      <pc:sldChg chg="addSp delSp modSp add mod">
+        <pc:chgData name="sahdev ghorela" userId="aab1b882d8501027" providerId="LiveId" clId="{3AAE3E15-9EB6-4B13-A64A-00DDB79CB83C}" dt="2024-09-30T20:28:56.394" v="155" actId="1076"/>
+        <pc:sldMkLst>
+          <pc:docMk/>
+          <pc:sldMk cId="3201236025" sldId="270"/>
+        </pc:sldMkLst>
+        <pc:picChg chg="del">
+          <ac:chgData name="sahdev ghorela" userId="aab1b882d8501027" providerId="LiveId" clId="{3AAE3E15-9EB6-4B13-A64A-00DDB79CB83C}" dt="2024-09-30T20:28:01.553" v="153" actId="478"/>
+          <ac:picMkLst>
+            <pc:docMk/>
+            <pc:sldMk cId="3201236025" sldId="270"/>
+            <ac:picMk id="4" creationId="{FD7B9908-84E0-B01B-6F86-1123E1B1229A}"/>
+          </ac:picMkLst>
+        </pc:picChg>
+        <pc:picChg chg="add mod">
+          <ac:chgData name="sahdev ghorela" userId="aab1b882d8501027" providerId="LiveId" clId="{3AAE3E15-9EB6-4B13-A64A-00DDB79CB83C}" dt="2024-09-30T20:28:56.394" v="155" actId="1076"/>
+          <ac:picMkLst>
+            <pc:docMk/>
+            <pc:sldMk cId="3201236025" sldId="270"/>
+            <ac:picMk id="5" creationId="{5B7EE312-EEDF-814E-1AE0-305A9D95BE08}"/>
+          </ac:picMkLst>
+        </pc:picChg>
+      </pc:sldChg>
+      <pc:sldChg chg="addSp delSp modSp add mod">
+        <pc:chgData name="sahdev ghorela" userId="aab1b882d8501027" providerId="LiveId" clId="{3AAE3E15-9EB6-4B13-A64A-00DDB79CB83C}" dt="2024-09-30T20:29:54.646" v="159" actId="1076"/>
+        <pc:sldMkLst>
+          <pc:docMk/>
+          <pc:sldMk cId="803387977" sldId="271"/>
+        </pc:sldMkLst>
+        <pc:picChg chg="add mod">
+          <ac:chgData name="sahdev ghorela" userId="aab1b882d8501027" providerId="LiveId" clId="{3AAE3E15-9EB6-4B13-A64A-00DDB79CB83C}" dt="2024-09-30T20:29:54.646" v="159" actId="1076"/>
+          <ac:picMkLst>
+            <pc:docMk/>
+            <pc:sldMk cId="803387977" sldId="271"/>
+            <ac:picMk id="4" creationId="{47D81AB8-20BB-4E1E-FAF3-3A4FD6B6B7FA}"/>
+          </ac:picMkLst>
+        </pc:picChg>
+        <pc:picChg chg="del">
+          <ac:chgData name="sahdev ghorela" userId="aab1b882d8501027" providerId="LiveId" clId="{3AAE3E15-9EB6-4B13-A64A-00DDB79CB83C}" dt="2024-09-30T20:29:00.185" v="157" actId="478"/>
+          <ac:picMkLst>
+            <pc:docMk/>
+            <pc:sldMk cId="803387977" sldId="271"/>
+            <ac:picMk id="5" creationId="{5B7EE312-EEDF-814E-1AE0-305A9D95BE08}"/>
+          </ac:picMkLst>
+        </pc:picChg>
+      </pc:sldChg>
+      <pc:sldChg chg="addSp delSp modSp add mod">
+        <pc:chgData name="sahdev ghorela" userId="aab1b882d8501027" providerId="LiveId" clId="{3AAE3E15-9EB6-4B13-A64A-00DDB79CB83C}" dt="2024-09-30T20:30:34.369" v="163" actId="1076"/>
+        <pc:sldMkLst>
+          <pc:docMk/>
+          <pc:sldMk cId="4173776898" sldId="272"/>
+        </pc:sldMkLst>
+        <pc:picChg chg="del">
+          <ac:chgData name="sahdev ghorela" userId="aab1b882d8501027" providerId="LiveId" clId="{3AAE3E15-9EB6-4B13-A64A-00DDB79CB83C}" dt="2024-09-30T20:29:58.494" v="161" actId="478"/>
+          <ac:picMkLst>
+            <pc:docMk/>
+            <pc:sldMk cId="4173776898" sldId="272"/>
+            <ac:picMk id="4" creationId="{47D81AB8-20BB-4E1E-FAF3-3A4FD6B6B7FA}"/>
+          </ac:picMkLst>
+        </pc:picChg>
+        <pc:picChg chg="add mod">
+          <ac:chgData name="sahdev ghorela" userId="aab1b882d8501027" providerId="LiveId" clId="{3AAE3E15-9EB6-4B13-A64A-00DDB79CB83C}" dt="2024-09-30T20:30:34.369" v="163" actId="1076"/>
+          <ac:picMkLst>
+            <pc:docMk/>
+            <pc:sldMk cId="4173776898" sldId="272"/>
+            <ac:picMk id="5" creationId="{6482A56A-E3E6-667E-C7A6-12965BFFB9ED}"/>
+          </ac:picMkLst>
+        </pc:picChg>
+      </pc:sldChg>
+      <pc:sldChg chg="addSp delSp modSp add mod">
+        <pc:chgData name="sahdev ghorela" userId="aab1b882d8501027" providerId="LiveId" clId="{3AAE3E15-9EB6-4B13-A64A-00DDB79CB83C}" dt="2024-09-30T20:31:23.646" v="167" actId="1076"/>
+        <pc:sldMkLst>
+          <pc:docMk/>
+          <pc:sldMk cId="429835775" sldId="273"/>
+        </pc:sldMkLst>
+        <pc:picChg chg="add mod">
+          <ac:chgData name="sahdev ghorela" userId="aab1b882d8501027" providerId="LiveId" clId="{3AAE3E15-9EB6-4B13-A64A-00DDB79CB83C}" dt="2024-09-30T20:31:23.646" v="167" actId="1076"/>
+          <ac:picMkLst>
+            <pc:docMk/>
+            <pc:sldMk cId="429835775" sldId="273"/>
+            <ac:picMk id="4" creationId="{BB14C3DA-9E50-F3A2-7DE5-2C506C012AF5}"/>
+          </ac:picMkLst>
+        </pc:picChg>
+        <pc:picChg chg="del">
+          <ac:chgData name="sahdev ghorela" userId="aab1b882d8501027" providerId="LiveId" clId="{3AAE3E15-9EB6-4B13-A64A-00DDB79CB83C}" dt="2024-09-30T20:30:38.070" v="165" actId="478"/>
+          <ac:picMkLst>
+            <pc:docMk/>
+            <pc:sldMk cId="429835775" sldId="273"/>
+            <ac:picMk id="5" creationId="{6482A56A-E3E6-667E-C7A6-12965BFFB9ED}"/>
+          </ac:picMkLst>
+        </pc:picChg>
+      </pc:sldChg>
+      <pc:sldChg chg="addSp delSp modSp add mod">
+        <pc:chgData name="sahdev ghorela" userId="aab1b882d8501027" providerId="LiveId" clId="{3AAE3E15-9EB6-4B13-A64A-00DDB79CB83C}" dt="2024-09-30T20:36:33.154" v="171" actId="1076"/>
+        <pc:sldMkLst>
+          <pc:docMk/>
+          <pc:sldMk cId="3373933841" sldId="274"/>
+        </pc:sldMkLst>
+        <pc:picChg chg="del">
+          <ac:chgData name="sahdev ghorela" userId="aab1b882d8501027" providerId="LiveId" clId="{3AAE3E15-9EB6-4B13-A64A-00DDB79CB83C}" dt="2024-09-30T20:31:27.325" v="169" actId="478"/>
+          <ac:picMkLst>
+            <pc:docMk/>
+            <pc:sldMk cId="3373933841" sldId="274"/>
+            <ac:picMk id="4" creationId="{BB14C3DA-9E50-F3A2-7DE5-2C506C012AF5}"/>
+          </ac:picMkLst>
+        </pc:picChg>
+        <pc:picChg chg="add mod">
+          <ac:chgData name="sahdev ghorela" userId="aab1b882d8501027" providerId="LiveId" clId="{3AAE3E15-9EB6-4B13-A64A-00DDB79CB83C}" dt="2024-09-30T20:36:33.154" v="171" actId="1076"/>
+          <ac:picMkLst>
+            <pc:docMk/>
+            <pc:sldMk cId="3373933841" sldId="274"/>
+            <ac:picMk id="5" creationId="{AA655D8A-892B-74CB-637F-6B2FC74D50DB}"/>
+          </ac:picMkLst>
+        </pc:picChg>
+      </pc:sldChg>
+      <pc:sldChg chg="addSp delSp modSp add mod">
+        <pc:chgData name="sahdev ghorela" userId="aab1b882d8501027" providerId="LiveId" clId="{3AAE3E15-9EB6-4B13-A64A-00DDB79CB83C}" dt="2024-09-30T20:37:01.635" v="177" actId="1076"/>
+        <pc:sldMkLst>
+          <pc:docMk/>
+          <pc:sldMk cId="1222511389" sldId="275"/>
+        </pc:sldMkLst>
+        <pc:graphicFrameChg chg="add del modGraphic">
+          <ac:chgData name="sahdev ghorela" userId="aab1b882d8501027" providerId="LiveId" clId="{3AAE3E15-9EB6-4B13-A64A-00DDB79CB83C}" dt="2024-09-30T20:36:59.051" v="175" actId="27309"/>
+          <ac:graphicFrameMkLst>
+            <pc:docMk/>
+            <pc:sldMk cId="1222511389" sldId="275"/>
+            <ac:graphicFrameMk id="4" creationId="{088B3C2A-94BD-7358-90C6-26B4B812B90C}"/>
+          </ac:graphicFrameMkLst>
+        </pc:graphicFrameChg>
+        <pc:picChg chg="del">
+          <ac:chgData name="sahdev ghorela" userId="aab1b882d8501027" providerId="LiveId" clId="{3AAE3E15-9EB6-4B13-A64A-00DDB79CB83C}" dt="2024-09-30T20:36:38.692" v="173" actId="478"/>
+          <ac:picMkLst>
+            <pc:docMk/>
+            <pc:sldMk cId="1222511389" sldId="275"/>
+            <ac:picMk id="5" creationId="{AA655D8A-892B-74CB-637F-6B2FC74D50DB}"/>
+          </ac:picMkLst>
+        </pc:picChg>
+        <pc:picChg chg="add mod">
+          <ac:chgData name="sahdev ghorela" userId="aab1b882d8501027" providerId="LiveId" clId="{3AAE3E15-9EB6-4B13-A64A-00DDB79CB83C}" dt="2024-09-30T20:37:01.635" v="177" actId="1076"/>
+          <ac:picMkLst>
+            <pc:docMk/>
+            <pc:sldMk cId="1222511389" sldId="275"/>
+            <ac:picMk id="7" creationId="{3568EFE6-C87B-F328-C0C7-02D7E2651650}"/>
+          </ac:picMkLst>
+        </pc:picChg>
+      </pc:sldChg>
+      <pc:sldChg chg="addSp delSp modSp add mod">
+        <pc:chgData name="sahdev ghorela" userId="aab1b882d8501027" providerId="LiveId" clId="{3AAE3E15-9EB6-4B13-A64A-00DDB79CB83C}" dt="2024-09-30T20:37:24.058" v="181" actId="1076"/>
+        <pc:sldMkLst>
+          <pc:docMk/>
+          <pc:sldMk cId="1505613833" sldId="276"/>
+        </pc:sldMkLst>
+        <pc:picChg chg="add mod">
+          <ac:chgData name="sahdev ghorela" userId="aab1b882d8501027" providerId="LiveId" clId="{3AAE3E15-9EB6-4B13-A64A-00DDB79CB83C}" dt="2024-09-30T20:37:24.058" v="181" actId="1076"/>
+          <ac:picMkLst>
+            <pc:docMk/>
+            <pc:sldMk cId="1505613833" sldId="276"/>
+            <ac:picMk id="4" creationId="{5702EA21-3013-D6A3-13DE-141F6DB3AC07}"/>
+          </ac:picMkLst>
+        </pc:picChg>
+        <pc:picChg chg="del">
+          <ac:chgData name="sahdev ghorela" userId="aab1b882d8501027" providerId="LiveId" clId="{3AAE3E15-9EB6-4B13-A64A-00DDB79CB83C}" dt="2024-09-30T20:37:05.298" v="179" actId="478"/>
+          <ac:picMkLst>
+            <pc:docMk/>
+            <pc:sldMk cId="1505613833" sldId="276"/>
+            <ac:picMk id="7" creationId="{3568EFE6-C87B-F328-C0C7-02D7E2651650}"/>
+          </ac:picMkLst>
+        </pc:picChg>
+      </pc:sldChg>
+      <pc:sldChg chg="addSp delSp add mod">
+        <pc:chgData name="sahdev ghorela" userId="aab1b882d8501027" providerId="LiveId" clId="{3AAE3E15-9EB6-4B13-A64A-00DDB79CB83C}" dt="2024-09-30T20:37:41.975" v="184" actId="22"/>
+        <pc:sldMkLst>
+          <pc:docMk/>
+          <pc:sldMk cId="4053746876" sldId="277"/>
+        </pc:sldMkLst>
+        <pc:picChg chg="del">
+          <ac:chgData name="sahdev ghorela" userId="aab1b882d8501027" providerId="LiveId" clId="{3AAE3E15-9EB6-4B13-A64A-00DDB79CB83C}" dt="2024-09-30T20:37:27.411" v="183" actId="478"/>
+          <ac:picMkLst>
+            <pc:docMk/>
+            <pc:sldMk cId="4053746876" sldId="277"/>
+            <ac:picMk id="4" creationId="{5702EA21-3013-D6A3-13DE-141F6DB3AC07}"/>
+          </ac:picMkLst>
+        </pc:picChg>
+        <pc:picChg chg="add">
+          <ac:chgData name="sahdev ghorela" userId="aab1b882d8501027" providerId="LiveId" clId="{3AAE3E15-9EB6-4B13-A64A-00DDB79CB83C}" dt="2024-09-30T20:37:41.975" v="184" actId="22"/>
+          <ac:picMkLst>
+            <pc:docMk/>
+            <pc:sldMk cId="4053746876" sldId="277"/>
+            <ac:picMk id="5" creationId="{0F3E629E-A202-900F-4CF2-49CC93DB3C5C}"/>
+          </ac:picMkLst>
+        </pc:picChg>
+      </pc:sldChg>
+      <pc:sldChg chg="addSp delSp modSp add mod">
+        <pc:chgData name="sahdev ghorela" userId="aab1b882d8501027" providerId="LiveId" clId="{3AAE3E15-9EB6-4B13-A64A-00DDB79CB83C}" dt="2024-09-30T20:38:01.818" v="188" actId="1076"/>
+        <pc:sldMkLst>
+          <pc:docMk/>
+          <pc:sldMk cId="2046696203" sldId="278"/>
+        </pc:sldMkLst>
+        <pc:picChg chg="add mod">
+          <ac:chgData name="sahdev ghorela" userId="aab1b882d8501027" providerId="LiveId" clId="{3AAE3E15-9EB6-4B13-A64A-00DDB79CB83C}" dt="2024-09-30T20:38:01.818" v="188" actId="1076"/>
+          <ac:picMkLst>
+            <pc:docMk/>
+            <pc:sldMk cId="2046696203" sldId="278"/>
+            <ac:picMk id="4" creationId="{C9F7A3AF-4189-F091-E3F7-5AF69269BD90}"/>
+          </ac:picMkLst>
+        </pc:picChg>
+        <pc:picChg chg="del">
+          <ac:chgData name="sahdev ghorela" userId="aab1b882d8501027" providerId="LiveId" clId="{3AAE3E15-9EB6-4B13-A64A-00DDB79CB83C}" dt="2024-09-30T20:37:48.529" v="186" actId="478"/>
+          <ac:picMkLst>
+            <pc:docMk/>
+            <pc:sldMk cId="2046696203" sldId="278"/>
+            <ac:picMk id="5" creationId="{0F3E629E-A202-900F-4CF2-49CC93DB3C5C}"/>
+          </ac:picMkLst>
+        </pc:picChg>
+      </pc:sldChg>
+      <pc:sldChg chg="addSp delSp modSp add mod">
+        <pc:chgData name="sahdev ghorela" userId="aab1b882d8501027" providerId="LiveId" clId="{3AAE3E15-9EB6-4B13-A64A-00DDB79CB83C}" dt="2024-09-30T20:40:09.995" v="192" actId="1076"/>
+        <pc:sldMkLst>
+          <pc:docMk/>
+          <pc:sldMk cId="668069388" sldId="279"/>
+        </pc:sldMkLst>
+        <pc:picChg chg="del">
+          <ac:chgData name="sahdev ghorela" userId="aab1b882d8501027" providerId="LiveId" clId="{3AAE3E15-9EB6-4B13-A64A-00DDB79CB83C}" dt="2024-09-30T20:38:06.009" v="190" actId="478"/>
+          <ac:picMkLst>
+            <pc:docMk/>
+            <pc:sldMk cId="668069388" sldId="279"/>
+            <ac:picMk id="4" creationId="{C9F7A3AF-4189-F091-E3F7-5AF69269BD90}"/>
+          </ac:picMkLst>
+        </pc:picChg>
+        <pc:picChg chg="add mod">
+          <ac:chgData name="sahdev ghorela" userId="aab1b882d8501027" providerId="LiveId" clId="{3AAE3E15-9EB6-4B13-A64A-00DDB79CB83C}" dt="2024-09-30T20:40:09.995" v="192" actId="1076"/>
+          <ac:picMkLst>
+            <pc:docMk/>
+            <pc:sldMk cId="668069388" sldId="279"/>
+            <ac:picMk id="5" creationId="{5BF2A08D-2DAD-CEB6-2243-8DCB2F5829BC}"/>
+          </ac:picMkLst>
+        </pc:picChg>
+      </pc:sldChg>
+      <pc:sldChg chg="addSp delSp modSp add mod">
+        <pc:chgData name="sahdev ghorela" userId="aab1b882d8501027" providerId="LiveId" clId="{3AAE3E15-9EB6-4B13-A64A-00DDB79CB83C}" dt="2024-09-30T20:41:00.501" v="196" actId="1076"/>
+        <pc:sldMkLst>
+          <pc:docMk/>
+          <pc:sldMk cId="4192416382" sldId="280"/>
+        </pc:sldMkLst>
+        <pc:picChg chg="add mod">
+          <ac:chgData name="sahdev ghorela" userId="aab1b882d8501027" providerId="LiveId" clId="{3AAE3E15-9EB6-4B13-A64A-00DDB79CB83C}" dt="2024-09-30T20:41:00.501" v="196" actId="1076"/>
+          <ac:picMkLst>
+            <pc:docMk/>
+            <pc:sldMk cId="4192416382" sldId="280"/>
+            <ac:picMk id="4" creationId="{45EBC502-5826-16D5-B003-FF268C9A1501}"/>
+          </ac:picMkLst>
+        </pc:picChg>
+        <pc:picChg chg="del">
+          <ac:chgData name="sahdev ghorela" userId="aab1b882d8501027" providerId="LiveId" clId="{3AAE3E15-9EB6-4B13-A64A-00DDB79CB83C}" dt="2024-09-30T20:40:16.900" v="194" actId="478"/>
+          <ac:picMkLst>
+            <pc:docMk/>
+            <pc:sldMk cId="4192416382" sldId="280"/>
+            <ac:picMk id="5" creationId="{5BF2A08D-2DAD-CEB6-2243-8DCB2F5829BC}"/>
+          </ac:picMkLst>
+        </pc:picChg>
+      </pc:sldChg>
+      <pc:sldChg chg="addSp delSp modSp add mod">
+        <pc:chgData name="sahdev ghorela" userId="aab1b882d8501027" providerId="LiveId" clId="{3AAE3E15-9EB6-4B13-A64A-00DDB79CB83C}" dt="2024-09-30T20:45:11.872" v="200" actId="1076"/>
+        <pc:sldMkLst>
+          <pc:docMk/>
+          <pc:sldMk cId="477365303" sldId="281"/>
+        </pc:sldMkLst>
+        <pc:picChg chg="del">
+          <ac:chgData name="sahdev ghorela" userId="aab1b882d8501027" providerId="LiveId" clId="{3AAE3E15-9EB6-4B13-A64A-00DDB79CB83C}" dt="2024-09-30T20:41:04.539" v="198" actId="478"/>
+          <ac:picMkLst>
+            <pc:docMk/>
+            <pc:sldMk cId="477365303" sldId="281"/>
+            <ac:picMk id="4" creationId="{45EBC502-5826-16D5-B003-FF268C9A1501}"/>
+          </ac:picMkLst>
+        </pc:picChg>
+        <pc:picChg chg="add mod">
+          <ac:chgData name="sahdev ghorela" userId="aab1b882d8501027" providerId="LiveId" clId="{3AAE3E15-9EB6-4B13-A64A-00DDB79CB83C}" dt="2024-09-30T20:45:11.872" v="200" actId="1076"/>
+          <ac:picMkLst>
+            <pc:docMk/>
+            <pc:sldMk cId="477365303" sldId="281"/>
+            <ac:picMk id="5" creationId="{63E743CD-B103-65EC-97FB-AF0A57ECF6BC}"/>
+          </ac:picMkLst>
+        </pc:picChg>
+      </pc:sldChg>
+      <pc:sldChg chg="addSp delSp modSp add mod">
+        <pc:chgData name="sahdev ghorela" userId="aab1b882d8501027" providerId="LiveId" clId="{3AAE3E15-9EB6-4B13-A64A-00DDB79CB83C}" dt="2024-09-30T20:45:28.173" v="204" actId="1076"/>
+        <pc:sldMkLst>
+          <pc:docMk/>
+          <pc:sldMk cId="4140669143" sldId="282"/>
+        </pc:sldMkLst>
+        <pc:picChg chg="add mod">
+          <ac:chgData name="sahdev ghorela" userId="aab1b882d8501027" providerId="LiveId" clId="{3AAE3E15-9EB6-4B13-A64A-00DDB79CB83C}" dt="2024-09-30T20:45:28.173" v="204" actId="1076"/>
+          <ac:picMkLst>
+            <pc:docMk/>
+            <pc:sldMk cId="4140669143" sldId="282"/>
+            <ac:picMk id="4" creationId="{28CE8ABC-BEAB-9ABB-1FCD-AF770EF52A09}"/>
+          </ac:picMkLst>
+        </pc:picChg>
+        <pc:picChg chg="del">
+          <ac:chgData name="sahdev ghorela" userId="aab1b882d8501027" providerId="LiveId" clId="{3AAE3E15-9EB6-4B13-A64A-00DDB79CB83C}" dt="2024-09-30T20:45:15.627" v="202" actId="478"/>
+          <ac:picMkLst>
+            <pc:docMk/>
+            <pc:sldMk cId="4140669143" sldId="282"/>
+            <ac:picMk id="5" creationId="{63E743CD-B103-65EC-97FB-AF0A57ECF6BC}"/>
+          </ac:picMkLst>
+        </pc:picChg>
+      </pc:sldChg>
+      <pc:sldChg chg="addSp delSp modSp add mod">
+        <pc:chgData name="sahdev ghorela" userId="aab1b882d8501027" providerId="LiveId" clId="{3AAE3E15-9EB6-4B13-A64A-00DDB79CB83C}" dt="2024-09-30T20:45:50.846" v="208" actId="1076"/>
+        <pc:sldMkLst>
+          <pc:docMk/>
+          <pc:sldMk cId="1950477839" sldId="283"/>
+        </pc:sldMkLst>
+        <pc:picChg chg="del">
+          <ac:chgData name="sahdev ghorela" userId="aab1b882d8501027" providerId="LiveId" clId="{3AAE3E15-9EB6-4B13-A64A-00DDB79CB83C}" dt="2024-09-30T20:45:31.813" v="206" actId="478"/>
+          <ac:picMkLst>
+            <pc:docMk/>
+            <pc:sldMk cId="1950477839" sldId="283"/>
+            <ac:picMk id="4" creationId="{28CE8ABC-BEAB-9ABB-1FCD-AF770EF52A09}"/>
+          </ac:picMkLst>
+        </pc:picChg>
+        <pc:picChg chg="add mod">
+          <ac:chgData name="sahdev ghorela" userId="aab1b882d8501027" providerId="LiveId" clId="{3AAE3E15-9EB6-4B13-A64A-00DDB79CB83C}" dt="2024-09-30T20:45:50.846" v="208" actId="1076"/>
+          <ac:picMkLst>
+            <pc:docMk/>
+            <pc:sldMk cId="1950477839" sldId="283"/>
+            <ac:picMk id="5" creationId="{5957504D-46B5-F5CC-7ADB-B9C5DD3D781B}"/>
+          </ac:picMkLst>
+        </pc:picChg>
+      </pc:sldChg>
+      <pc:sldChg chg="addSp delSp modSp add mod">
+        <pc:chgData name="sahdev ghorela" userId="aab1b882d8501027" providerId="LiveId" clId="{3AAE3E15-9EB6-4B13-A64A-00DDB79CB83C}" dt="2024-09-30T20:46:10.663" v="212" actId="1076"/>
+        <pc:sldMkLst>
+          <pc:docMk/>
+          <pc:sldMk cId="2329569498" sldId="284"/>
+        </pc:sldMkLst>
+        <pc:picChg chg="add mod">
+          <ac:chgData name="sahdev ghorela" userId="aab1b882d8501027" providerId="LiveId" clId="{3AAE3E15-9EB6-4B13-A64A-00DDB79CB83C}" dt="2024-09-30T20:46:10.663" v="212" actId="1076"/>
+          <ac:picMkLst>
+            <pc:docMk/>
+            <pc:sldMk cId="2329569498" sldId="284"/>
+            <ac:picMk id="4" creationId="{83E8782F-B65A-2374-8B6E-557F18D68A22}"/>
+          </ac:picMkLst>
+        </pc:picChg>
+        <pc:picChg chg="del">
+          <ac:chgData name="sahdev ghorela" userId="aab1b882d8501027" providerId="LiveId" clId="{3AAE3E15-9EB6-4B13-A64A-00DDB79CB83C}" dt="2024-09-30T20:45:54.863" v="210" actId="478"/>
+          <ac:picMkLst>
+            <pc:docMk/>
+            <pc:sldMk cId="2329569498" sldId="284"/>
+            <ac:picMk id="5" creationId="{5957504D-46B5-F5CC-7ADB-B9C5DD3D781B}"/>
+          </ac:picMkLst>
+        </pc:picChg>
+      </pc:sldChg>
     </pc:docChg>
   </pc:docChgLst>
 </pc:chgInfo>
@@ -427,7 +992,7 @@
           <a:p>
             <a:fld id="{D70AA599-D2EF-4BF6-B586-C41526088DB7}" type="datetimeFigureOut">
               <a:rPr lang="en-GB" smtClean="0"/>
-              <a:t>24/09/2024</a:t>
+              <a:t>30/09/2024</a:t>
             </a:fld>
             <a:endParaRPr lang="en-GB"/>
           </a:p>
@@ -625,7 +1190,7 @@
           <a:p>
             <a:fld id="{D70AA599-D2EF-4BF6-B586-C41526088DB7}" type="datetimeFigureOut">
               <a:rPr lang="en-GB" smtClean="0"/>
-              <a:t>24/09/2024</a:t>
+              <a:t>30/09/2024</a:t>
             </a:fld>
             <a:endParaRPr lang="en-GB"/>
           </a:p>
@@ -833,7 +1398,7 @@
           <a:p>
             <a:fld id="{D70AA599-D2EF-4BF6-B586-C41526088DB7}" type="datetimeFigureOut">
               <a:rPr lang="en-GB" smtClean="0"/>
-              <a:t>24/09/2024</a:t>
+              <a:t>30/09/2024</a:t>
             </a:fld>
             <a:endParaRPr lang="en-GB"/>
           </a:p>
@@ -1031,7 +1596,7 @@
           <a:p>
             <a:fld id="{D70AA599-D2EF-4BF6-B586-C41526088DB7}" type="datetimeFigureOut">
               <a:rPr lang="en-GB" smtClean="0"/>
-              <a:t>24/09/2024</a:t>
+              <a:t>30/09/2024</a:t>
             </a:fld>
             <a:endParaRPr lang="en-GB"/>
           </a:p>
@@ -1306,7 +1871,7 @@
           <a:p>
             <a:fld id="{D70AA599-D2EF-4BF6-B586-C41526088DB7}" type="datetimeFigureOut">
               <a:rPr lang="en-GB" smtClean="0"/>
-              <a:t>24/09/2024</a:t>
+              <a:t>30/09/2024</a:t>
             </a:fld>
             <a:endParaRPr lang="en-GB"/>
           </a:p>
@@ -1571,7 +2136,7 @@
           <a:p>
             <a:fld id="{D70AA599-D2EF-4BF6-B586-C41526088DB7}" type="datetimeFigureOut">
               <a:rPr lang="en-GB" smtClean="0"/>
-              <a:t>24/09/2024</a:t>
+              <a:t>30/09/2024</a:t>
             </a:fld>
             <a:endParaRPr lang="en-GB"/>
           </a:p>
@@ -1983,7 +2548,7 @@
           <a:p>
             <a:fld id="{D70AA599-D2EF-4BF6-B586-C41526088DB7}" type="datetimeFigureOut">
               <a:rPr lang="en-GB" smtClean="0"/>
-              <a:t>24/09/2024</a:t>
+              <a:t>30/09/2024</a:t>
             </a:fld>
             <a:endParaRPr lang="en-GB"/>
           </a:p>
@@ -2124,7 +2689,7 @@
           <a:p>
             <a:fld id="{D70AA599-D2EF-4BF6-B586-C41526088DB7}" type="datetimeFigureOut">
               <a:rPr lang="en-GB" smtClean="0"/>
-              <a:t>24/09/2024</a:t>
+              <a:t>30/09/2024</a:t>
             </a:fld>
             <a:endParaRPr lang="en-GB"/>
           </a:p>
@@ -2237,7 +2802,7 @@
           <a:p>
             <a:fld id="{D70AA599-D2EF-4BF6-B586-C41526088DB7}" type="datetimeFigureOut">
               <a:rPr lang="en-GB" smtClean="0"/>
-              <a:t>24/09/2024</a:t>
+              <a:t>30/09/2024</a:t>
             </a:fld>
             <a:endParaRPr lang="en-GB"/>
           </a:p>
@@ -2548,7 +3113,7 @@
           <a:p>
             <a:fld id="{D70AA599-D2EF-4BF6-B586-C41526088DB7}" type="datetimeFigureOut">
               <a:rPr lang="en-GB" smtClean="0"/>
-              <a:t>24/09/2024</a:t>
+              <a:t>30/09/2024</a:t>
             </a:fld>
             <a:endParaRPr lang="en-GB"/>
           </a:p>
@@ -2836,7 +3401,7 @@
           <a:p>
             <a:fld id="{D70AA599-D2EF-4BF6-B586-C41526088DB7}" type="datetimeFigureOut">
               <a:rPr lang="en-GB" smtClean="0"/>
-              <a:t>24/09/2024</a:t>
+              <a:t>30/09/2024</a:t>
             </a:fld>
             <a:endParaRPr lang="en-GB"/>
           </a:p>
@@ -3077,7 +3642,7 @@
           <a:p>
             <a:fld id="{D70AA599-D2EF-4BF6-B586-C41526088DB7}" type="datetimeFigureOut">
               <a:rPr lang="en-GB" smtClean="0"/>
-              <a:t>24/09/2024</a:t>
+              <a:t>30/09/2024</a:t>
             </a:fld>
             <a:endParaRPr lang="en-GB"/>
           </a:p>
@@ -3523,8 +4088,12 @@
           <a:lstStyle/>
           <a:p>
             <a:r>
+              <a:rPr lang="en-GB"/>
+              <a:t>Evaluating Performance - </a:t>
+            </a:r>
+            <a:r>
               <a:rPr lang="en-GB" dirty="0"/>
-              <a:t>Evaluating Performance of Classification Error Metrics</a:t>
+              <a:t>Classification Error Metrics</a:t>
             </a:r>
           </a:p>
         </p:txBody>
@@ -3563,6 +4132,956 @@
     <p:extLst>
       <p:ext uri="{BB962C8B-B14F-4D97-AF65-F5344CB8AC3E}">
         <p14:creationId xmlns:p14="http://schemas.microsoft.com/office/powerpoint/2010/main" val="744276620"/>
+      </p:ext>
+    </p:extLst>
+  </p:cSld>
+  <p:clrMapOvr>
+    <a:masterClrMapping/>
+  </p:clrMapOvr>
+</p:sld>
+</file>
+
+<file path=ppt/slides/slide10.xml><?xml version="1.0" encoding="utf-8"?>
+<p:sld xmlns:a="http://schemas.openxmlformats.org/drawingml/2006/main" xmlns:r="http://schemas.openxmlformats.org/officeDocument/2006/relationships" xmlns:p="http://schemas.openxmlformats.org/presentationml/2006/main">
+  <p:cSld>
+    <p:spTree>
+      <p:nvGrpSpPr>
+        <p:cNvPr id="1" name=""/>
+        <p:cNvGrpSpPr/>
+        <p:nvPr/>
+      </p:nvGrpSpPr>
+      <p:grpSpPr>
+        <a:xfrm>
+          <a:off x="0" y="0"/>
+          <a:ext cx="0" cy="0"/>
+          <a:chOff x="0" y="0"/>
+          <a:chExt cx="0" cy="0"/>
+        </a:xfrm>
+      </p:grpSpPr>
+      <p:sp>
+        <p:nvSpPr>
+          <p:cNvPr id="2" name="Title 1">
+            <a:extLst>
+              <a:ext uri="{FF2B5EF4-FFF2-40B4-BE49-F238E27FC236}">
+                <a16:creationId xmlns:a16="http://schemas.microsoft.com/office/drawing/2014/main" id="{38A5CCEF-7B4B-8E17-E857-2865CF610EAC}"/>
+              </a:ext>
+            </a:extLst>
+          </p:cNvPr>
+          <p:cNvSpPr>
+            <a:spLocks noGrp="1"/>
+          </p:cNvSpPr>
+          <p:nvPr>
+            <p:ph type="ctrTitle"/>
+          </p:nvPr>
+        </p:nvSpPr>
+        <p:spPr>
+          <a:xfrm>
+            <a:off x="1377371" y="952008"/>
+            <a:ext cx="9144000" cy="726102"/>
+          </a:xfrm>
+        </p:spPr>
+        <p:txBody>
+          <a:bodyPr>
+            <a:normAutofit fontScale="90000"/>
+          </a:bodyPr>
+          <a:lstStyle/>
+          <a:p>
+            <a:r>
+              <a:rPr lang="en-GB" dirty="0"/>
+              <a:t>Evaluating Performance of Classification Error Metrics</a:t>
+            </a:r>
+          </a:p>
+        </p:txBody>
+      </p:sp>
+      <p:pic>
+        <p:nvPicPr>
+          <p:cNvPr id="4" name="Picture 3">
+            <a:extLst>
+              <a:ext uri="{FF2B5EF4-FFF2-40B4-BE49-F238E27FC236}">
+                <a16:creationId xmlns:a16="http://schemas.microsoft.com/office/drawing/2014/main" id="{98430E10-901D-8752-054C-0BEDE7D64B6E}"/>
+              </a:ext>
+            </a:extLst>
+          </p:cNvPr>
+          <p:cNvPicPr>
+            <a:picLocks noChangeAspect="1"/>
+          </p:cNvPicPr>
+          <p:nvPr/>
+        </p:nvPicPr>
+        <p:blipFill>
+          <a:blip r:embed="rId2"/>
+          <a:stretch>
+            <a:fillRect/>
+          </a:stretch>
+        </p:blipFill>
+        <p:spPr>
+          <a:xfrm>
+            <a:off x="1751235" y="1927872"/>
+            <a:ext cx="8550381" cy="3558848"/>
+          </a:xfrm>
+          <a:prstGeom prst="rect">
+            <a:avLst/>
+          </a:prstGeom>
+        </p:spPr>
+      </p:pic>
+    </p:spTree>
+    <p:extLst>
+      <p:ext uri="{BB962C8B-B14F-4D97-AF65-F5344CB8AC3E}">
+        <p14:creationId xmlns:p14="http://schemas.microsoft.com/office/powerpoint/2010/main" val="1393290926"/>
+      </p:ext>
+    </p:extLst>
+  </p:cSld>
+  <p:clrMapOvr>
+    <a:masterClrMapping/>
+  </p:clrMapOvr>
+</p:sld>
+</file>
+
+<file path=ppt/slides/slide11.xml><?xml version="1.0" encoding="utf-8"?>
+<p:sld xmlns:a="http://schemas.openxmlformats.org/drawingml/2006/main" xmlns:r="http://schemas.openxmlformats.org/officeDocument/2006/relationships" xmlns:p="http://schemas.openxmlformats.org/presentationml/2006/main">
+  <p:cSld>
+    <p:spTree>
+      <p:nvGrpSpPr>
+        <p:cNvPr id="1" name=""/>
+        <p:cNvGrpSpPr/>
+        <p:nvPr/>
+      </p:nvGrpSpPr>
+      <p:grpSpPr>
+        <a:xfrm>
+          <a:off x="0" y="0"/>
+          <a:ext cx="0" cy="0"/>
+          <a:chOff x="0" y="0"/>
+          <a:chExt cx="0" cy="0"/>
+        </a:xfrm>
+      </p:grpSpPr>
+      <p:sp>
+        <p:nvSpPr>
+          <p:cNvPr id="2" name="Title 1">
+            <a:extLst>
+              <a:ext uri="{FF2B5EF4-FFF2-40B4-BE49-F238E27FC236}">
+                <a16:creationId xmlns:a16="http://schemas.microsoft.com/office/drawing/2014/main" id="{38A5CCEF-7B4B-8E17-E857-2865CF610EAC}"/>
+              </a:ext>
+            </a:extLst>
+          </p:cNvPr>
+          <p:cNvSpPr>
+            <a:spLocks noGrp="1"/>
+          </p:cNvSpPr>
+          <p:nvPr>
+            <p:ph type="ctrTitle"/>
+          </p:nvPr>
+        </p:nvSpPr>
+        <p:spPr>
+          <a:xfrm>
+            <a:off x="1377371" y="952008"/>
+            <a:ext cx="9144000" cy="726102"/>
+          </a:xfrm>
+        </p:spPr>
+        <p:txBody>
+          <a:bodyPr>
+            <a:normAutofit fontScale="90000"/>
+          </a:bodyPr>
+          <a:lstStyle/>
+          <a:p>
+            <a:r>
+              <a:rPr lang="en-GB" dirty="0"/>
+              <a:t>Evaluating Performance of Classification Error Metrics</a:t>
+            </a:r>
+          </a:p>
+        </p:txBody>
+      </p:sp>
+      <p:pic>
+        <p:nvPicPr>
+          <p:cNvPr id="5" name="Picture 4">
+            <a:extLst>
+              <a:ext uri="{FF2B5EF4-FFF2-40B4-BE49-F238E27FC236}">
+                <a16:creationId xmlns:a16="http://schemas.microsoft.com/office/drawing/2014/main" id="{A44F97B3-E95D-767F-4CAC-3E55F2D199DA}"/>
+              </a:ext>
+            </a:extLst>
+          </p:cNvPr>
+          <p:cNvPicPr>
+            <a:picLocks noChangeAspect="1"/>
+          </p:cNvPicPr>
+          <p:nvPr/>
+        </p:nvPicPr>
+        <p:blipFill>
+          <a:blip r:embed="rId2"/>
+          <a:stretch>
+            <a:fillRect/>
+          </a:stretch>
+        </p:blipFill>
+        <p:spPr>
+          <a:xfrm>
+            <a:off x="1887163" y="2122017"/>
+            <a:ext cx="8634208" cy="3528366"/>
+          </a:xfrm>
+          <a:prstGeom prst="rect">
+            <a:avLst/>
+          </a:prstGeom>
+        </p:spPr>
+      </p:pic>
+    </p:spTree>
+    <p:extLst>
+      <p:ext uri="{BB962C8B-B14F-4D97-AF65-F5344CB8AC3E}">
+        <p14:creationId xmlns:p14="http://schemas.microsoft.com/office/powerpoint/2010/main" val="3328528288"/>
+      </p:ext>
+    </p:extLst>
+  </p:cSld>
+  <p:clrMapOvr>
+    <a:masterClrMapping/>
+  </p:clrMapOvr>
+</p:sld>
+</file>
+
+<file path=ppt/slides/slide12.xml><?xml version="1.0" encoding="utf-8"?>
+<p:sld xmlns:a="http://schemas.openxmlformats.org/drawingml/2006/main" xmlns:r="http://schemas.openxmlformats.org/officeDocument/2006/relationships" xmlns:p="http://schemas.openxmlformats.org/presentationml/2006/main">
+  <p:cSld>
+    <p:spTree>
+      <p:nvGrpSpPr>
+        <p:cNvPr id="1" name=""/>
+        <p:cNvGrpSpPr/>
+        <p:nvPr/>
+      </p:nvGrpSpPr>
+      <p:grpSpPr>
+        <a:xfrm>
+          <a:off x="0" y="0"/>
+          <a:ext cx="0" cy="0"/>
+          <a:chOff x="0" y="0"/>
+          <a:chExt cx="0" cy="0"/>
+        </a:xfrm>
+      </p:grpSpPr>
+      <p:sp>
+        <p:nvSpPr>
+          <p:cNvPr id="2" name="Title 1">
+            <a:extLst>
+              <a:ext uri="{FF2B5EF4-FFF2-40B4-BE49-F238E27FC236}">
+                <a16:creationId xmlns:a16="http://schemas.microsoft.com/office/drawing/2014/main" id="{38A5CCEF-7B4B-8E17-E857-2865CF610EAC}"/>
+              </a:ext>
+            </a:extLst>
+          </p:cNvPr>
+          <p:cNvSpPr>
+            <a:spLocks noGrp="1"/>
+          </p:cNvSpPr>
+          <p:nvPr>
+            <p:ph type="ctrTitle"/>
+          </p:nvPr>
+        </p:nvSpPr>
+        <p:spPr>
+          <a:xfrm>
+            <a:off x="1377371" y="952008"/>
+            <a:ext cx="9144000" cy="726102"/>
+          </a:xfrm>
+        </p:spPr>
+        <p:txBody>
+          <a:bodyPr>
+            <a:normAutofit fontScale="90000"/>
+          </a:bodyPr>
+          <a:lstStyle/>
+          <a:p>
+            <a:r>
+              <a:rPr lang="en-GB" dirty="0"/>
+              <a:t>Evaluating Performance of Classification Error Metrics</a:t>
+            </a:r>
+          </a:p>
+        </p:txBody>
+      </p:sp>
+      <p:pic>
+        <p:nvPicPr>
+          <p:cNvPr id="4" name="Picture 3">
+            <a:extLst>
+              <a:ext uri="{FF2B5EF4-FFF2-40B4-BE49-F238E27FC236}">
+                <a16:creationId xmlns:a16="http://schemas.microsoft.com/office/drawing/2014/main" id="{5D342342-10CE-6F12-663F-567B77CE278B}"/>
+              </a:ext>
+            </a:extLst>
+          </p:cNvPr>
+          <p:cNvPicPr>
+            <a:picLocks noChangeAspect="1"/>
+          </p:cNvPicPr>
+          <p:nvPr/>
+        </p:nvPicPr>
+        <p:blipFill>
+          <a:blip r:embed="rId2"/>
+          <a:stretch>
+            <a:fillRect/>
+          </a:stretch>
+        </p:blipFill>
+        <p:spPr>
+          <a:xfrm>
+            <a:off x="1923688" y="2054761"/>
+            <a:ext cx="8344623" cy="3543607"/>
+          </a:xfrm>
+          <a:prstGeom prst="rect">
+            <a:avLst/>
+          </a:prstGeom>
+        </p:spPr>
+      </p:pic>
+    </p:spTree>
+    <p:extLst>
+      <p:ext uri="{BB962C8B-B14F-4D97-AF65-F5344CB8AC3E}">
+        <p14:creationId xmlns:p14="http://schemas.microsoft.com/office/powerpoint/2010/main" val="1339510581"/>
+      </p:ext>
+    </p:extLst>
+  </p:cSld>
+  <p:clrMapOvr>
+    <a:masterClrMapping/>
+  </p:clrMapOvr>
+</p:sld>
+</file>
+
+<file path=ppt/slides/slide13.xml><?xml version="1.0" encoding="utf-8"?>
+<p:sld xmlns:a="http://schemas.openxmlformats.org/drawingml/2006/main" xmlns:r="http://schemas.openxmlformats.org/officeDocument/2006/relationships" xmlns:p="http://schemas.openxmlformats.org/presentationml/2006/main">
+  <p:cSld>
+    <p:spTree>
+      <p:nvGrpSpPr>
+        <p:cNvPr id="1" name=""/>
+        <p:cNvGrpSpPr/>
+        <p:nvPr/>
+      </p:nvGrpSpPr>
+      <p:grpSpPr>
+        <a:xfrm>
+          <a:off x="0" y="0"/>
+          <a:ext cx="0" cy="0"/>
+          <a:chOff x="0" y="0"/>
+          <a:chExt cx="0" cy="0"/>
+        </a:xfrm>
+      </p:grpSpPr>
+      <p:sp>
+        <p:nvSpPr>
+          <p:cNvPr id="2" name="Title 1">
+            <a:extLst>
+              <a:ext uri="{FF2B5EF4-FFF2-40B4-BE49-F238E27FC236}">
+                <a16:creationId xmlns:a16="http://schemas.microsoft.com/office/drawing/2014/main" id="{38A5CCEF-7B4B-8E17-E857-2865CF610EAC}"/>
+              </a:ext>
+            </a:extLst>
+          </p:cNvPr>
+          <p:cNvSpPr>
+            <a:spLocks noGrp="1"/>
+          </p:cNvSpPr>
+          <p:nvPr>
+            <p:ph type="ctrTitle"/>
+          </p:nvPr>
+        </p:nvSpPr>
+        <p:spPr>
+          <a:xfrm>
+            <a:off x="1377371" y="952008"/>
+            <a:ext cx="9144000" cy="726102"/>
+          </a:xfrm>
+        </p:spPr>
+        <p:txBody>
+          <a:bodyPr>
+            <a:normAutofit fontScale="90000"/>
+          </a:bodyPr>
+          <a:lstStyle/>
+          <a:p>
+            <a:r>
+              <a:rPr lang="en-GB" dirty="0"/>
+              <a:t>Evaluating Performance of Classification Error Metrics</a:t>
+            </a:r>
+          </a:p>
+        </p:txBody>
+      </p:sp>
+      <p:pic>
+        <p:nvPicPr>
+          <p:cNvPr id="5" name="Picture 4">
+            <a:extLst>
+              <a:ext uri="{FF2B5EF4-FFF2-40B4-BE49-F238E27FC236}">
+                <a16:creationId xmlns:a16="http://schemas.microsoft.com/office/drawing/2014/main" id="{81661CDF-CB11-FCAE-0B98-49C69B7862E1}"/>
+              </a:ext>
+            </a:extLst>
+          </p:cNvPr>
+          <p:cNvPicPr>
+            <a:picLocks noChangeAspect="1"/>
+          </p:cNvPicPr>
+          <p:nvPr/>
+        </p:nvPicPr>
+        <p:blipFill>
+          <a:blip r:embed="rId2"/>
+          <a:stretch>
+            <a:fillRect/>
+          </a:stretch>
+        </p:blipFill>
+        <p:spPr>
+          <a:xfrm>
+            <a:off x="1601784" y="1854326"/>
+            <a:ext cx="8695173" cy="3467400"/>
+          </a:xfrm>
+          <a:prstGeom prst="rect">
+            <a:avLst/>
+          </a:prstGeom>
+        </p:spPr>
+      </p:pic>
+    </p:spTree>
+    <p:extLst>
+      <p:ext uri="{BB962C8B-B14F-4D97-AF65-F5344CB8AC3E}">
+        <p14:creationId xmlns:p14="http://schemas.microsoft.com/office/powerpoint/2010/main" val="951727996"/>
+      </p:ext>
+    </p:extLst>
+  </p:cSld>
+  <p:clrMapOvr>
+    <a:masterClrMapping/>
+  </p:clrMapOvr>
+</p:sld>
+</file>
+
+<file path=ppt/slides/slide14.xml><?xml version="1.0" encoding="utf-8"?>
+<p:sld xmlns:a="http://schemas.openxmlformats.org/drawingml/2006/main" xmlns:r="http://schemas.openxmlformats.org/officeDocument/2006/relationships" xmlns:p="http://schemas.openxmlformats.org/presentationml/2006/main">
+  <p:cSld>
+    <p:spTree>
+      <p:nvGrpSpPr>
+        <p:cNvPr id="1" name=""/>
+        <p:cNvGrpSpPr/>
+        <p:nvPr/>
+      </p:nvGrpSpPr>
+      <p:grpSpPr>
+        <a:xfrm>
+          <a:off x="0" y="0"/>
+          <a:ext cx="0" cy="0"/>
+          <a:chOff x="0" y="0"/>
+          <a:chExt cx="0" cy="0"/>
+        </a:xfrm>
+      </p:grpSpPr>
+      <p:sp>
+        <p:nvSpPr>
+          <p:cNvPr id="2" name="Title 1">
+            <a:extLst>
+              <a:ext uri="{FF2B5EF4-FFF2-40B4-BE49-F238E27FC236}">
+                <a16:creationId xmlns:a16="http://schemas.microsoft.com/office/drawing/2014/main" id="{38A5CCEF-7B4B-8E17-E857-2865CF610EAC}"/>
+              </a:ext>
+            </a:extLst>
+          </p:cNvPr>
+          <p:cNvSpPr>
+            <a:spLocks noGrp="1"/>
+          </p:cNvSpPr>
+          <p:nvPr>
+            <p:ph type="ctrTitle"/>
+          </p:nvPr>
+        </p:nvSpPr>
+        <p:spPr>
+          <a:xfrm>
+            <a:off x="1377371" y="952008"/>
+            <a:ext cx="9144000" cy="726102"/>
+          </a:xfrm>
+        </p:spPr>
+        <p:txBody>
+          <a:bodyPr>
+            <a:normAutofit fontScale="90000"/>
+          </a:bodyPr>
+          <a:lstStyle/>
+          <a:p>
+            <a:r>
+              <a:rPr lang="en-GB" dirty="0"/>
+              <a:t>Evaluating Performance of Classification Error Metrics</a:t>
+            </a:r>
+          </a:p>
+        </p:txBody>
+      </p:sp>
+      <p:pic>
+        <p:nvPicPr>
+          <p:cNvPr id="4" name="Picture 3">
+            <a:extLst>
+              <a:ext uri="{FF2B5EF4-FFF2-40B4-BE49-F238E27FC236}">
+                <a16:creationId xmlns:a16="http://schemas.microsoft.com/office/drawing/2014/main" id="{FD7B9908-84E0-B01B-6F86-1123E1B1229A}"/>
+              </a:ext>
+            </a:extLst>
+          </p:cNvPr>
+          <p:cNvPicPr>
+            <a:picLocks noChangeAspect="1"/>
+          </p:cNvPicPr>
+          <p:nvPr/>
+        </p:nvPicPr>
+        <p:blipFill>
+          <a:blip r:embed="rId2"/>
+          <a:stretch>
+            <a:fillRect/>
+          </a:stretch>
+        </p:blipFill>
+        <p:spPr>
+          <a:xfrm>
+            <a:off x="1624646" y="1944927"/>
+            <a:ext cx="8649450" cy="3703641"/>
+          </a:xfrm>
+          <a:prstGeom prst="rect">
+            <a:avLst/>
+          </a:prstGeom>
+        </p:spPr>
+      </p:pic>
+    </p:spTree>
+    <p:extLst>
+      <p:ext uri="{BB962C8B-B14F-4D97-AF65-F5344CB8AC3E}">
+        <p14:creationId xmlns:p14="http://schemas.microsoft.com/office/powerpoint/2010/main" val="2698558125"/>
+      </p:ext>
+    </p:extLst>
+  </p:cSld>
+  <p:clrMapOvr>
+    <a:masterClrMapping/>
+  </p:clrMapOvr>
+</p:sld>
+</file>
+
+<file path=ppt/slides/slide15.xml><?xml version="1.0" encoding="utf-8"?>
+<p:sld xmlns:a="http://schemas.openxmlformats.org/drawingml/2006/main" xmlns:r="http://schemas.openxmlformats.org/officeDocument/2006/relationships" xmlns:p="http://schemas.openxmlformats.org/presentationml/2006/main">
+  <p:cSld>
+    <p:spTree>
+      <p:nvGrpSpPr>
+        <p:cNvPr id="1" name=""/>
+        <p:cNvGrpSpPr/>
+        <p:nvPr/>
+      </p:nvGrpSpPr>
+      <p:grpSpPr>
+        <a:xfrm>
+          <a:off x="0" y="0"/>
+          <a:ext cx="0" cy="0"/>
+          <a:chOff x="0" y="0"/>
+          <a:chExt cx="0" cy="0"/>
+        </a:xfrm>
+      </p:grpSpPr>
+      <p:sp>
+        <p:nvSpPr>
+          <p:cNvPr id="2" name="Title 1">
+            <a:extLst>
+              <a:ext uri="{FF2B5EF4-FFF2-40B4-BE49-F238E27FC236}">
+                <a16:creationId xmlns:a16="http://schemas.microsoft.com/office/drawing/2014/main" id="{38A5CCEF-7B4B-8E17-E857-2865CF610EAC}"/>
+              </a:ext>
+            </a:extLst>
+          </p:cNvPr>
+          <p:cNvSpPr>
+            <a:spLocks noGrp="1"/>
+          </p:cNvSpPr>
+          <p:nvPr>
+            <p:ph type="ctrTitle"/>
+          </p:nvPr>
+        </p:nvSpPr>
+        <p:spPr>
+          <a:xfrm>
+            <a:off x="1377371" y="952008"/>
+            <a:ext cx="9144000" cy="726102"/>
+          </a:xfrm>
+        </p:spPr>
+        <p:txBody>
+          <a:bodyPr>
+            <a:normAutofit fontScale="90000"/>
+          </a:bodyPr>
+          <a:lstStyle/>
+          <a:p>
+            <a:r>
+              <a:rPr lang="en-GB" dirty="0"/>
+              <a:t>Evaluating Performance of Classification Error Metrics</a:t>
+            </a:r>
+          </a:p>
+        </p:txBody>
+      </p:sp>
+      <p:pic>
+        <p:nvPicPr>
+          <p:cNvPr id="5" name="Picture 4">
+            <a:extLst>
+              <a:ext uri="{FF2B5EF4-FFF2-40B4-BE49-F238E27FC236}">
+                <a16:creationId xmlns:a16="http://schemas.microsoft.com/office/drawing/2014/main" id="{5B7EE312-EEDF-814E-1AE0-305A9D95BE08}"/>
+              </a:ext>
+            </a:extLst>
+          </p:cNvPr>
+          <p:cNvPicPr>
+            <a:picLocks noChangeAspect="1"/>
+          </p:cNvPicPr>
+          <p:nvPr/>
+        </p:nvPicPr>
+        <p:blipFill>
+          <a:blip r:embed="rId2"/>
+          <a:stretch>
+            <a:fillRect/>
+          </a:stretch>
+        </p:blipFill>
+        <p:spPr>
+          <a:xfrm>
+            <a:off x="1824620" y="1883639"/>
+            <a:ext cx="8542760" cy="3627434"/>
+          </a:xfrm>
+          <a:prstGeom prst="rect">
+            <a:avLst/>
+          </a:prstGeom>
+        </p:spPr>
+      </p:pic>
+    </p:spTree>
+    <p:extLst>
+      <p:ext uri="{BB962C8B-B14F-4D97-AF65-F5344CB8AC3E}">
+        <p14:creationId xmlns:p14="http://schemas.microsoft.com/office/powerpoint/2010/main" val="3201236025"/>
+      </p:ext>
+    </p:extLst>
+  </p:cSld>
+  <p:clrMapOvr>
+    <a:masterClrMapping/>
+  </p:clrMapOvr>
+</p:sld>
+</file>
+
+<file path=ppt/slides/slide16.xml><?xml version="1.0" encoding="utf-8"?>
+<p:sld xmlns:a="http://schemas.openxmlformats.org/drawingml/2006/main" xmlns:r="http://schemas.openxmlformats.org/officeDocument/2006/relationships" xmlns:p="http://schemas.openxmlformats.org/presentationml/2006/main">
+  <p:cSld>
+    <p:spTree>
+      <p:nvGrpSpPr>
+        <p:cNvPr id="1" name=""/>
+        <p:cNvGrpSpPr/>
+        <p:nvPr/>
+      </p:nvGrpSpPr>
+      <p:grpSpPr>
+        <a:xfrm>
+          <a:off x="0" y="0"/>
+          <a:ext cx="0" cy="0"/>
+          <a:chOff x="0" y="0"/>
+          <a:chExt cx="0" cy="0"/>
+        </a:xfrm>
+      </p:grpSpPr>
+      <p:sp>
+        <p:nvSpPr>
+          <p:cNvPr id="2" name="Title 1">
+            <a:extLst>
+              <a:ext uri="{FF2B5EF4-FFF2-40B4-BE49-F238E27FC236}">
+                <a16:creationId xmlns:a16="http://schemas.microsoft.com/office/drawing/2014/main" id="{38A5CCEF-7B4B-8E17-E857-2865CF610EAC}"/>
+              </a:ext>
+            </a:extLst>
+          </p:cNvPr>
+          <p:cNvSpPr>
+            <a:spLocks noGrp="1"/>
+          </p:cNvSpPr>
+          <p:nvPr>
+            <p:ph type="ctrTitle"/>
+          </p:nvPr>
+        </p:nvSpPr>
+        <p:spPr>
+          <a:xfrm>
+            <a:off x="1377371" y="952008"/>
+            <a:ext cx="9144000" cy="726102"/>
+          </a:xfrm>
+        </p:spPr>
+        <p:txBody>
+          <a:bodyPr>
+            <a:normAutofit fontScale="90000"/>
+          </a:bodyPr>
+          <a:lstStyle/>
+          <a:p>
+            <a:r>
+              <a:rPr lang="en-GB" dirty="0"/>
+              <a:t>Evaluating Performance of Classification Error Metrics</a:t>
+            </a:r>
+          </a:p>
+        </p:txBody>
+      </p:sp>
+      <p:pic>
+        <p:nvPicPr>
+          <p:cNvPr id="4" name="Picture 3">
+            <a:extLst>
+              <a:ext uri="{FF2B5EF4-FFF2-40B4-BE49-F238E27FC236}">
+                <a16:creationId xmlns:a16="http://schemas.microsoft.com/office/drawing/2014/main" id="{47D81AB8-20BB-4E1E-FAF3-3A4FD6B6B7FA}"/>
+              </a:ext>
+            </a:extLst>
+          </p:cNvPr>
+          <p:cNvPicPr>
+            <a:picLocks noChangeAspect="1"/>
+          </p:cNvPicPr>
+          <p:nvPr/>
+        </p:nvPicPr>
+        <p:blipFill>
+          <a:blip r:embed="rId2"/>
+          <a:stretch>
+            <a:fillRect/>
+          </a:stretch>
+        </p:blipFill>
+        <p:spPr>
+          <a:xfrm>
+            <a:off x="1874154" y="1824005"/>
+            <a:ext cx="8443692" cy="3627434"/>
+          </a:xfrm>
+          <a:prstGeom prst="rect">
+            <a:avLst/>
+          </a:prstGeom>
+        </p:spPr>
+      </p:pic>
+    </p:spTree>
+    <p:extLst>
+      <p:ext uri="{BB962C8B-B14F-4D97-AF65-F5344CB8AC3E}">
+        <p14:creationId xmlns:p14="http://schemas.microsoft.com/office/powerpoint/2010/main" val="803387977"/>
+      </p:ext>
+    </p:extLst>
+  </p:cSld>
+  <p:clrMapOvr>
+    <a:masterClrMapping/>
+  </p:clrMapOvr>
+</p:sld>
+</file>
+
+<file path=ppt/slides/slide17.xml><?xml version="1.0" encoding="utf-8"?>
+<p:sld xmlns:a="http://schemas.openxmlformats.org/drawingml/2006/main" xmlns:r="http://schemas.openxmlformats.org/officeDocument/2006/relationships" xmlns:p="http://schemas.openxmlformats.org/presentationml/2006/main">
+  <p:cSld>
+    <p:spTree>
+      <p:nvGrpSpPr>
+        <p:cNvPr id="1" name=""/>
+        <p:cNvGrpSpPr/>
+        <p:nvPr/>
+      </p:nvGrpSpPr>
+      <p:grpSpPr>
+        <a:xfrm>
+          <a:off x="0" y="0"/>
+          <a:ext cx="0" cy="0"/>
+          <a:chOff x="0" y="0"/>
+          <a:chExt cx="0" cy="0"/>
+        </a:xfrm>
+      </p:grpSpPr>
+      <p:sp>
+        <p:nvSpPr>
+          <p:cNvPr id="2" name="Title 1">
+            <a:extLst>
+              <a:ext uri="{FF2B5EF4-FFF2-40B4-BE49-F238E27FC236}">
+                <a16:creationId xmlns:a16="http://schemas.microsoft.com/office/drawing/2014/main" id="{38A5CCEF-7B4B-8E17-E857-2865CF610EAC}"/>
+              </a:ext>
+            </a:extLst>
+          </p:cNvPr>
+          <p:cNvSpPr>
+            <a:spLocks noGrp="1"/>
+          </p:cNvSpPr>
+          <p:nvPr>
+            <p:ph type="ctrTitle"/>
+          </p:nvPr>
+        </p:nvSpPr>
+        <p:spPr>
+          <a:xfrm>
+            <a:off x="1377371" y="952008"/>
+            <a:ext cx="9144000" cy="726102"/>
+          </a:xfrm>
+        </p:spPr>
+        <p:txBody>
+          <a:bodyPr>
+            <a:normAutofit fontScale="90000"/>
+          </a:bodyPr>
+          <a:lstStyle/>
+          <a:p>
+            <a:r>
+              <a:rPr lang="en-GB" dirty="0"/>
+              <a:t>Evaluating Performance of Classification Error Metrics</a:t>
+            </a:r>
+          </a:p>
+        </p:txBody>
+      </p:sp>
+      <p:pic>
+        <p:nvPicPr>
+          <p:cNvPr id="5" name="Picture 4">
+            <a:extLst>
+              <a:ext uri="{FF2B5EF4-FFF2-40B4-BE49-F238E27FC236}">
+                <a16:creationId xmlns:a16="http://schemas.microsoft.com/office/drawing/2014/main" id="{6482A56A-E3E6-667E-C7A6-12965BFFB9ED}"/>
+              </a:ext>
+            </a:extLst>
+          </p:cNvPr>
+          <p:cNvPicPr>
+            <a:picLocks noChangeAspect="1"/>
+          </p:cNvPicPr>
+          <p:nvPr/>
+        </p:nvPicPr>
+        <p:blipFill>
+          <a:blip r:embed="rId2"/>
+          <a:stretch>
+            <a:fillRect/>
+          </a:stretch>
+        </p:blipFill>
+        <p:spPr>
+          <a:xfrm>
+            <a:off x="1858913" y="1801143"/>
+            <a:ext cx="8474174" cy="3673158"/>
+          </a:xfrm>
+          <a:prstGeom prst="rect">
+            <a:avLst/>
+          </a:prstGeom>
+        </p:spPr>
+      </p:pic>
+    </p:spTree>
+    <p:extLst>
+      <p:ext uri="{BB962C8B-B14F-4D97-AF65-F5344CB8AC3E}">
+        <p14:creationId xmlns:p14="http://schemas.microsoft.com/office/powerpoint/2010/main" val="4173776898"/>
+      </p:ext>
+    </p:extLst>
+  </p:cSld>
+  <p:clrMapOvr>
+    <a:masterClrMapping/>
+  </p:clrMapOvr>
+</p:sld>
+</file>
+
+<file path=ppt/slides/slide18.xml><?xml version="1.0" encoding="utf-8"?>
+<p:sld xmlns:a="http://schemas.openxmlformats.org/drawingml/2006/main" xmlns:r="http://schemas.openxmlformats.org/officeDocument/2006/relationships" xmlns:p="http://schemas.openxmlformats.org/presentationml/2006/main">
+  <p:cSld>
+    <p:spTree>
+      <p:nvGrpSpPr>
+        <p:cNvPr id="1" name=""/>
+        <p:cNvGrpSpPr/>
+        <p:nvPr/>
+      </p:nvGrpSpPr>
+      <p:grpSpPr>
+        <a:xfrm>
+          <a:off x="0" y="0"/>
+          <a:ext cx="0" cy="0"/>
+          <a:chOff x="0" y="0"/>
+          <a:chExt cx="0" cy="0"/>
+        </a:xfrm>
+      </p:grpSpPr>
+      <p:sp>
+        <p:nvSpPr>
+          <p:cNvPr id="2" name="Title 1">
+            <a:extLst>
+              <a:ext uri="{FF2B5EF4-FFF2-40B4-BE49-F238E27FC236}">
+                <a16:creationId xmlns:a16="http://schemas.microsoft.com/office/drawing/2014/main" id="{38A5CCEF-7B4B-8E17-E857-2865CF610EAC}"/>
+              </a:ext>
+            </a:extLst>
+          </p:cNvPr>
+          <p:cNvSpPr>
+            <a:spLocks noGrp="1"/>
+          </p:cNvSpPr>
+          <p:nvPr>
+            <p:ph type="ctrTitle"/>
+          </p:nvPr>
+        </p:nvSpPr>
+        <p:spPr>
+          <a:xfrm>
+            <a:off x="1377371" y="952008"/>
+            <a:ext cx="9144000" cy="726102"/>
+          </a:xfrm>
+        </p:spPr>
+        <p:txBody>
+          <a:bodyPr>
+            <a:normAutofit fontScale="90000"/>
+          </a:bodyPr>
+          <a:lstStyle/>
+          <a:p>
+            <a:r>
+              <a:rPr lang="en-GB" dirty="0"/>
+              <a:t>Evaluating Performance of Classification Error Metrics</a:t>
+            </a:r>
+          </a:p>
+        </p:txBody>
+      </p:sp>
+      <p:pic>
+        <p:nvPicPr>
+          <p:cNvPr id="4" name="Picture 3">
+            <a:extLst>
+              <a:ext uri="{FF2B5EF4-FFF2-40B4-BE49-F238E27FC236}">
+                <a16:creationId xmlns:a16="http://schemas.microsoft.com/office/drawing/2014/main" id="{BB14C3DA-9E50-F3A2-7DE5-2C506C012AF5}"/>
+              </a:ext>
+            </a:extLst>
+          </p:cNvPr>
+          <p:cNvPicPr>
+            <a:picLocks noChangeAspect="1"/>
+          </p:cNvPicPr>
+          <p:nvPr/>
+        </p:nvPicPr>
+        <p:blipFill>
+          <a:blip r:embed="rId2"/>
+          <a:stretch>
+            <a:fillRect/>
+          </a:stretch>
+        </p:blipFill>
+        <p:spPr>
+          <a:xfrm>
+            <a:off x="1925266" y="1835596"/>
+            <a:ext cx="8596105" cy="3703641"/>
+          </a:xfrm>
+          <a:prstGeom prst="rect">
+            <a:avLst/>
+          </a:prstGeom>
+        </p:spPr>
+      </p:pic>
+    </p:spTree>
+    <p:extLst>
+      <p:ext uri="{BB962C8B-B14F-4D97-AF65-F5344CB8AC3E}">
+        <p14:creationId xmlns:p14="http://schemas.microsoft.com/office/powerpoint/2010/main" val="429835775"/>
+      </p:ext>
+    </p:extLst>
+  </p:cSld>
+  <p:clrMapOvr>
+    <a:masterClrMapping/>
+  </p:clrMapOvr>
+</p:sld>
+</file>
+
+<file path=ppt/slides/slide19.xml><?xml version="1.0" encoding="utf-8"?>
+<p:sld xmlns:a="http://schemas.openxmlformats.org/drawingml/2006/main" xmlns:r="http://schemas.openxmlformats.org/officeDocument/2006/relationships" xmlns:p="http://schemas.openxmlformats.org/presentationml/2006/main">
+  <p:cSld>
+    <p:spTree>
+      <p:nvGrpSpPr>
+        <p:cNvPr id="1" name=""/>
+        <p:cNvGrpSpPr/>
+        <p:nvPr/>
+      </p:nvGrpSpPr>
+      <p:grpSpPr>
+        <a:xfrm>
+          <a:off x="0" y="0"/>
+          <a:ext cx="0" cy="0"/>
+          <a:chOff x="0" y="0"/>
+          <a:chExt cx="0" cy="0"/>
+        </a:xfrm>
+      </p:grpSpPr>
+      <p:sp>
+        <p:nvSpPr>
+          <p:cNvPr id="2" name="Title 1">
+            <a:extLst>
+              <a:ext uri="{FF2B5EF4-FFF2-40B4-BE49-F238E27FC236}">
+                <a16:creationId xmlns:a16="http://schemas.microsoft.com/office/drawing/2014/main" id="{38A5CCEF-7B4B-8E17-E857-2865CF610EAC}"/>
+              </a:ext>
+            </a:extLst>
+          </p:cNvPr>
+          <p:cNvSpPr>
+            <a:spLocks noGrp="1"/>
+          </p:cNvSpPr>
+          <p:nvPr>
+            <p:ph type="ctrTitle"/>
+          </p:nvPr>
+        </p:nvSpPr>
+        <p:spPr>
+          <a:xfrm>
+            <a:off x="1377371" y="952008"/>
+            <a:ext cx="9144000" cy="726102"/>
+          </a:xfrm>
+        </p:spPr>
+        <p:txBody>
+          <a:bodyPr>
+            <a:normAutofit fontScale="90000"/>
+          </a:bodyPr>
+          <a:lstStyle/>
+          <a:p>
+            <a:r>
+              <a:rPr lang="en-GB" dirty="0"/>
+              <a:t>Evaluating Performance of Classification Error Metrics</a:t>
+            </a:r>
+          </a:p>
+        </p:txBody>
+      </p:sp>
+      <p:pic>
+        <p:nvPicPr>
+          <p:cNvPr id="5" name="Picture 4">
+            <a:extLst>
+              <a:ext uri="{FF2B5EF4-FFF2-40B4-BE49-F238E27FC236}">
+                <a16:creationId xmlns:a16="http://schemas.microsoft.com/office/drawing/2014/main" id="{AA655D8A-892B-74CB-637F-6B2FC74D50DB}"/>
+              </a:ext>
+            </a:extLst>
+          </p:cNvPr>
+          <p:cNvPicPr>
+            <a:picLocks noChangeAspect="1"/>
+          </p:cNvPicPr>
+          <p:nvPr/>
+        </p:nvPicPr>
+        <p:blipFill>
+          <a:blip r:embed="rId2"/>
+          <a:stretch>
+            <a:fillRect/>
+          </a:stretch>
+        </p:blipFill>
+        <p:spPr>
+          <a:xfrm>
+            <a:off x="1733172" y="2115566"/>
+            <a:ext cx="8725656" cy="3322608"/>
+          </a:xfrm>
+          <a:prstGeom prst="rect">
+            <a:avLst/>
+          </a:prstGeom>
+        </p:spPr>
+      </p:pic>
+    </p:spTree>
+    <p:extLst>
+      <p:ext uri="{BB962C8B-B14F-4D97-AF65-F5344CB8AC3E}">
+        <p14:creationId xmlns:p14="http://schemas.microsoft.com/office/powerpoint/2010/main" val="3373933841"/>
       </p:ext>
     </p:extLst>
   </p:cSld>
@@ -3658,6 +5177,956 @@
     <p:extLst>
       <p:ext uri="{BB962C8B-B14F-4D97-AF65-F5344CB8AC3E}">
         <p14:creationId xmlns:p14="http://schemas.microsoft.com/office/powerpoint/2010/main" val="1720576705"/>
+      </p:ext>
+    </p:extLst>
+  </p:cSld>
+  <p:clrMapOvr>
+    <a:masterClrMapping/>
+  </p:clrMapOvr>
+</p:sld>
+</file>
+
+<file path=ppt/slides/slide20.xml><?xml version="1.0" encoding="utf-8"?>
+<p:sld xmlns:a="http://schemas.openxmlformats.org/drawingml/2006/main" xmlns:r="http://schemas.openxmlformats.org/officeDocument/2006/relationships" xmlns:p="http://schemas.openxmlformats.org/presentationml/2006/main">
+  <p:cSld>
+    <p:spTree>
+      <p:nvGrpSpPr>
+        <p:cNvPr id="1" name=""/>
+        <p:cNvGrpSpPr/>
+        <p:nvPr/>
+      </p:nvGrpSpPr>
+      <p:grpSpPr>
+        <a:xfrm>
+          <a:off x="0" y="0"/>
+          <a:ext cx="0" cy="0"/>
+          <a:chOff x="0" y="0"/>
+          <a:chExt cx="0" cy="0"/>
+        </a:xfrm>
+      </p:grpSpPr>
+      <p:sp>
+        <p:nvSpPr>
+          <p:cNvPr id="2" name="Title 1">
+            <a:extLst>
+              <a:ext uri="{FF2B5EF4-FFF2-40B4-BE49-F238E27FC236}">
+                <a16:creationId xmlns:a16="http://schemas.microsoft.com/office/drawing/2014/main" id="{38A5CCEF-7B4B-8E17-E857-2865CF610EAC}"/>
+              </a:ext>
+            </a:extLst>
+          </p:cNvPr>
+          <p:cNvSpPr>
+            <a:spLocks noGrp="1"/>
+          </p:cNvSpPr>
+          <p:nvPr>
+            <p:ph type="ctrTitle"/>
+          </p:nvPr>
+        </p:nvSpPr>
+        <p:spPr>
+          <a:xfrm>
+            <a:off x="1377371" y="952008"/>
+            <a:ext cx="9144000" cy="726102"/>
+          </a:xfrm>
+        </p:spPr>
+        <p:txBody>
+          <a:bodyPr>
+            <a:normAutofit fontScale="90000"/>
+          </a:bodyPr>
+          <a:lstStyle/>
+          <a:p>
+            <a:r>
+              <a:rPr lang="en-GB" dirty="0"/>
+              <a:t>Evaluating Performance of Classification Error Metrics</a:t>
+            </a:r>
+          </a:p>
+        </p:txBody>
+      </p:sp>
+      <p:pic>
+        <p:nvPicPr>
+          <p:cNvPr id="7" name="Picture 6">
+            <a:extLst>
+              <a:ext uri="{FF2B5EF4-FFF2-40B4-BE49-F238E27FC236}">
+                <a16:creationId xmlns:a16="http://schemas.microsoft.com/office/drawing/2014/main" id="{3568EFE6-C87B-F328-C0C7-02D7E2651650}"/>
+              </a:ext>
+            </a:extLst>
+          </p:cNvPr>
+          <p:cNvPicPr>
+            <a:picLocks noChangeAspect="1"/>
+          </p:cNvPicPr>
+          <p:nvPr/>
+        </p:nvPicPr>
+        <p:blipFill>
+          <a:blip r:embed="rId2"/>
+          <a:stretch>
+            <a:fillRect/>
+          </a:stretch>
+        </p:blipFill>
+        <p:spPr>
+          <a:xfrm>
+            <a:off x="1855102" y="2028090"/>
+            <a:ext cx="8481795" cy="3596952"/>
+          </a:xfrm>
+          <a:prstGeom prst="rect">
+            <a:avLst/>
+          </a:prstGeom>
+        </p:spPr>
+      </p:pic>
+    </p:spTree>
+    <p:extLst>
+      <p:ext uri="{BB962C8B-B14F-4D97-AF65-F5344CB8AC3E}">
+        <p14:creationId xmlns:p14="http://schemas.microsoft.com/office/powerpoint/2010/main" val="1222511389"/>
+      </p:ext>
+    </p:extLst>
+  </p:cSld>
+  <p:clrMapOvr>
+    <a:masterClrMapping/>
+  </p:clrMapOvr>
+</p:sld>
+</file>
+
+<file path=ppt/slides/slide21.xml><?xml version="1.0" encoding="utf-8"?>
+<p:sld xmlns:a="http://schemas.openxmlformats.org/drawingml/2006/main" xmlns:r="http://schemas.openxmlformats.org/officeDocument/2006/relationships" xmlns:p="http://schemas.openxmlformats.org/presentationml/2006/main">
+  <p:cSld>
+    <p:spTree>
+      <p:nvGrpSpPr>
+        <p:cNvPr id="1" name=""/>
+        <p:cNvGrpSpPr/>
+        <p:nvPr/>
+      </p:nvGrpSpPr>
+      <p:grpSpPr>
+        <a:xfrm>
+          <a:off x="0" y="0"/>
+          <a:ext cx="0" cy="0"/>
+          <a:chOff x="0" y="0"/>
+          <a:chExt cx="0" cy="0"/>
+        </a:xfrm>
+      </p:grpSpPr>
+      <p:sp>
+        <p:nvSpPr>
+          <p:cNvPr id="2" name="Title 1">
+            <a:extLst>
+              <a:ext uri="{FF2B5EF4-FFF2-40B4-BE49-F238E27FC236}">
+                <a16:creationId xmlns:a16="http://schemas.microsoft.com/office/drawing/2014/main" id="{38A5CCEF-7B4B-8E17-E857-2865CF610EAC}"/>
+              </a:ext>
+            </a:extLst>
+          </p:cNvPr>
+          <p:cNvSpPr>
+            <a:spLocks noGrp="1"/>
+          </p:cNvSpPr>
+          <p:nvPr>
+            <p:ph type="ctrTitle"/>
+          </p:nvPr>
+        </p:nvSpPr>
+        <p:spPr>
+          <a:xfrm>
+            <a:off x="1377371" y="952008"/>
+            <a:ext cx="9144000" cy="726102"/>
+          </a:xfrm>
+        </p:spPr>
+        <p:txBody>
+          <a:bodyPr>
+            <a:normAutofit fontScale="90000"/>
+          </a:bodyPr>
+          <a:lstStyle/>
+          <a:p>
+            <a:r>
+              <a:rPr lang="en-GB" dirty="0"/>
+              <a:t>Evaluating Performance of Classification Error Metrics</a:t>
+            </a:r>
+          </a:p>
+        </p:txBody>
+      </p:sp>
+      <p:pic>
+        <p:nvPicPr>
+          <p:cNvPr id="4" name="Picture 3">
+            <a:extLst>
+              <a:ext uri="{FF2B5EF4-FFF2-40B4-BE49-F238E27FC236}">
+                <a16:creationId xmlns:a16="http://schemas.microsoft.com/office/drawing/2014/main" id="{5702EA21-3013-D6A3-13DE-141F6DB3AC07}"/>
+              </a:ext>
+            </a:extLst>
+          </p:cNvPr>
+          <p:cNvPicPr>
+            <a:picLocks noChangeAspect="1"/>
+          </p:cNvPicPr>
+          <p:nvPr/>
+        </p:nvPicPr>
+        <p:blipFill>
+          <a:blip r:embed="rId2"/>
+          <a:stretch>
+            <a:fillRect/>
+          </a:stretch>
+        </p:blipFill>
+        <p:spPr>
+          <a:xfrm>
+            <a:off x="1744603" y="2047968"/>
+            <a:ext cx="8702794" cy="3596952"/>
+          </a:xfrm>
+          <a:prstGeom prst="rect">
+            <a:avLst/>
+          </a:prstGeom>
+        </p:spPr>
+      </p:pic>
+    </p:spTree>
+    <p:extLst>
+      <p:ext uri="{BB962C8B-B14F-4D97-AF65-F5344CB8AC3E}">
+        <p14:creationId xmlns:p14="http://schemas.microsoft.com/office/powerpoint/2010/main" val="1505613833"/>
+      </p:ext>
+    </p:extLst>
+  </p:cSld>
+  <p:clrMapOvr>
+    <a:masterClrMapping/>
+  </p:clrMapOvr>
+</p:sld>
+</file>
+
+<file path=ppt/slides/slide22.xml><?xml version="1.0" encoding="utf-8"?>
+<p:sld xmlns:a="http://schemas.openxmlformats.org/drawingml/2006/main" xmlns:r="http://schemas.openxmlformats.org/officeDocument/2006/relationships" xmlns:p="http://schemas.openxmlformats.org/presentationml/2006/main">
+  <p:cSld>
+    <p:spTree>
+      <p:nvGrpSpPr>
+        <p:cNvPr id="1" name=""/>
+        <p:cNvGrpSpPr/>
+        <p:nvPr/>
+      </p:nvGrpSpPr>
+      <p:grpSpPr>
+        <a:xfrm>
+          <a:off x="0" y="0"/>
+          <a:ext cx="0" cy="0"/>
+          <a:chOff x="0" y="0"/>
+          <a:chExt cx="0" cy="0"/>
+        </a:xfrm>
+      </p:grpSpPr>
+      <p:sp>
+        <p:nvSpPr>
+          <p:cNvPr id="2" name="Title 1">
+            <a:extLst>
+              <a:ext uri="{FF2B5EF4-FFF2-40B4-BE49-F238E27FC236}">
+                <a16:creationId xmlns:a16="http://schemas.microsoft.com/office/drawing/2014/main" id="{38A5CCEF-7B4B-8E17-E857-2865CF610EAC}"/>
+              </a:ext>
+            </a:extLst>
+          </p:cNvPr>
+          <p:cNvSpPr>
+            <a:spLocks noGrp="1"/>
+          </p:cNvSpPr>
+          <p:nvPr>
+            <p:ph type="ctrTitle"/>
+          </p:nvPr>
+        </p:nvSpPr>
+        <p:spPr>
+          <a:xfrm>
+            <a:off x="1377371" y="952008"/>
+            <a:ext cx="9144000" cy="726102"/>
+          </a:xfrm>
+        </p:spPr>
+        <p:txBody>
+          <a:bodyPr>
+            <a:normAutofit fontScale="90000"/>
+          </a:bodyPr>
+          <a:lstStyle/>
+          <a:p>
+            <a:r>
+              <a:rPr lang="en-GB" dirty="0"/>
+              <a:t>Evaluating Performance of Classification Error Metrics</a:t>
+            </a:r>
+          </a:p>
+        </p:txBody>
+      </p:sp>
+      <p:pic>
+        <p:nvPicPr>
+          <p:cNvPr id="5" name="Picture 4">
+            <a:extLst>
+              <a:ext uri="{FF2B5EF4-FFF2-40B4-BE49-F238E27FC236}">
+                <a16:creationId xmlns:a16="http://schemas.microsoft.com/office/drawing/2014/main" id="{0F3E629E-A202-900F-4CF2-49CC93DB3C5C}"/>
+              </a:ext>
+            </a:extLst>
+          </p:cNvPr>
+          <p:cNvPicPr>
+            <a:picLocks noChangeAspect="1"/>
+          </p:cNvPicPr>
+          <p:nvPr/>
+        </p:nvPicPr>
+        <p:blipFill>
+          <a:blip r:embed="rId2"/>
+          <a:stretch>
+            <a:fillRect/>
+          </a:stretch>
+        </p:blipFill>
+        <p:spPr>
+          <a:xfrm>
+            <a:off x="1938930" y="2045850"/>
+            <a:ext cx="8314140" cy="2766300"/>
+          </a:xfrm>
+          <a:prstGeom prst="rect">
+            <a:avLst/>
+          </a:prstGeom>
+        </p:spPr>
+      </p:pic>
+    </p:spTree>
+    <p:extLst>
+      <p:ext uri="{BB962C8B-B14F-4D97-AF65-F5344CB8AC3E}">
+        <p14:creationId xmlns:p14="http://schemas.microsoft.com/office/powerpoint/2010/main" val="4053746876"/>
+      </p:ext>
+    </p:extLst>
+  </p:cSld>
+  <p:clrMapOvr>
+    <a:masterClrMapping/>
+  </p:clrMapOvr>
+</p:sld>
+</file>
+
+<file path=ppt/slides/slide23.xml><?xml version="1.0" encoding="utf-8"?>
+<p:sld xmlns:a="http://schemas.openxmlformats.org/drawingml/2006/main" xmlns:r="http://schemas.openxmlformats.org/officeDocument/2006/relationships" xmlns:p="http://schemas.openxmlformats.org/presentationml/2006/main">
+  <p:cSld>
+    <p:spTree>
+      <p:nvGrpSpPr>
+        <p:cNvPr id="1" name=""/>
+        <p:cNvGrpSpPr/>
+        <p:nvPr/>
+      </p:nvGrpSpPr>
+      <p:grpSpPr>
+        <a:xfrm>
+          <a:off x="0" y="0"/>
+          <a:ext cx="0" cy="0"/>
+          <a:chOff x="0" y="0"/>
+          <a:chExt cx="0" cy="0"/>
+        </a:xfrm>
+      </p:grpSpPr>
+      <p:sp>
+        <p:nvSpPr>
+          <p:cNvPr id="2" name="Title 1">
+            <a:extLst>
+              <a:ext uri="{FF2B5EF4-FFF2-40B4-BE49-F238E27FC236}">
+                <a16:creationId xmlns:a16="http://schemas.microsoft.com/office/drawing/2014/main" id="{38A5CCEF-7B4B-8E17-E857-2865CF610EAC}"/>
+              </a:ext>
+            </a:extLst>
+          </p:cNvPr>
+          <p:cNvSpPr>
+            <a:spLocks noGrp="1"/>
+          </p:cNvSpPr>
+          <p:nvPr>
+            <p:ph type="ctrTitle"/>
+          </p:nvPr>
+        </p:nvSpPr>
+        <p:spPr>
+          <a:xfrm>
+            <a:off x="1377371" y="952008"/>
+            <a:ext cx="9144000" cy="726102"/>
+          </a:xfrm>
+        </p:spPr>
+        <p:txBody>
+          <a:bodyPr>
+            <a:normAutofit fontScale="90000"/>
+          </a:bodyPr>
+          <a:lstStyle/>
+          <a:p>
+            <a:r>
+              <a:rPr lang="en-GB" dirty="0"/>
+              <a:t>Evaluating Performance of Classification Error Metrics</a:t>
+            </a:r>
+          </a:p>
+        </p:txBody>
+      </p:sp>
+      <p:pic>
+        <p:nvPicPr>
+          <p:cNvPr id="4" name="Picture 3">
+            <a:extLst>
+              <a:ext uri="{FF2B5EF4-FFF2-40B4-BE49-F238E27FC236}">
+                <a16:creationId xmlns:a16="http://schemas.microsoft.com/office/drawing/2014/main" id="{C9F7A3AF-4189-F091-E3F7-5AF69269BD90}"/>
+              </a:ext>
+            </a:extLst>
+          </p:cNvPr>
+          <p:cNvPicPr>
+            <a:picLocks noChangeAspect="1"/>
+          </p:cNvPicPr>
+          <p:nvPr/>
+        </p:nvPicPr>
+        <p:blipFill>
+          <a:blip r:embed="rId2"/>
+          <a:stretch>
+            <a:fillRect/>
+          </a:stretch>
+        </p:blipFill>
+        <p:spPr>
+          <a:xfrm>
+            <a:off x="1815162" y="1851987"/>
+            <a:ext cx="8268417" cy="3909399"/>
+          </a:xfrm>
+          <a:prstGeom prst="rect">
+            <a:avLst/>
+          </a:prstGeom>
+        </p:spPr>
+      </p:pic>
+    </p:spTree>
+    <p:extLst>
+      <p:ext uri="{BB962C8B-B14F-4D97-AF65-F5344CB8AC3E}">
+        <p14:creationId xmlns:p14="http://schemas.microsoft.com/office/powerpoint/2010/main" val="2046696203"/>
+      </p:ext>
+    </p:extLst>
+  </p:cSld>
+  <p:clrMapOvr>
+    <a:masterClrMapping/>
+  </p:clrMapOvr>
+</p:sld>
+</file>
+
+<file path=ppt/slides/slide24.xml><?xml version="1.0" encoding="utf-8"?>
+<p:sld xmlns:a="http://schemas.openxmlformats.org/drawingml/2006/main" xmlns:r="http://schemas.openxmlformats.org/officeDocument/2006/relationships" xmlns:p="http://schemas.openxmlformats.org/presentationml/2006/main">
+  <p:cSld>
+    <p:spTree>
+      <p:nvGrpSpPr>
+        <p:cNvPr id="1" name=""/>
+        <p:cNvGrpSpPr/>
+        <p:nvPr/>
+      </p:nvGrpSpPr>
+      <p:grpSpPr>
+        <a:xfrm>
+          <a:off x="0" y="0"/>
+          <a:ext cx="0" cy="0"/>
+          <a:chOff x="0" y="0"/>
+          <a:chExt cx="0" cy="0"/>
+        </a:xfrm>
+      </p:grpSpPr>
+      <p:sp>
+        <p:nvSpPr>
+          <p:cNvPr id="2" name="Title 1">
+            <a:extLst>
+              <a:ext uri="{FF2B5EF4-FFF2-40B4-BE49-F238E27FC236}">
+                <a16:creationId xmlns:a16="http://schemas.microsoft.com/office/drawing/2014/main" id="{38A5CCEF-7B4B-8E17-E857-2865CF610EAC}"/>
+              </a:ext>
+            </a:extLst>
+          </p:cNvPr>
+          <p:cNvSpPr>
+            <a:spLocks noGrp="1"/>
+          </p:cNvSpPr>
+          <p:nvPr>
+            <p:ph type="ctrTitle"/>
+          </p:nvPr>
+        </p:nvSpPr>
+        <p:spPr>
+          <a:xfrm>
+            <a:off x="1377371" y="952008"/>
+            <a:ext cx="9144000" cy="726102"/>
+          </a:xfrm>
+        </p:spPr>
+        <p:txBody>
+          <a:bodyPr>
+            <a:normAutofit fontScale="90000"/>
+          </a:bodyPr>
+          <a:lstStyle/>
+          <a:p>
+            <a:r>
+              <a:rPr lang="en-GB" dirty="0"/>
+              <a:t>Evaluating Performance of Classification Error Metrics</a:t>
+            </a:r>
+          </a:p>
+        </p:txBody>
+      </p:sp>
+      <p:pic>
+        <p:nvPicPr>
+          <p:cNvPr id="5" name="Picture 4">
+            <a:extLst>
+              <a:ext uri="{FF2B5EF4-FFF2-40B4-BE49-F238E27FC236}">
+                <a16:creationId xmlns:a16="http://schemas.microsoft.com/office/drawing/2014/main" id="{5BF2A08D-2DAD-CEB6-2243-8DCB2F5829BC}"/>
+              </a:ext>
+            </a:extLst>
+          </p:cNvPr>
+          <p:cNvPicPr>
+            <a:picLocks noChangeAspect="1"/>
+          </p:cNvPicPr>
+          <p:nvPr/>
+        </p:nvPicPr>
+        <p:blipFill>
+          <a:blip r:embed="rId2"/>
+          <a:stretch>
+            <a:fillRect/>
+          </a:stretch>
+        </p:blipFill>
+        <p:spPr>
+          <a:xfrm>
+            <a:off x="2165715" y="1751588"/>
+            <a:ext cx="8138865" cy="4229467"/>
+          </a:xfrm>
+          <a:prstGeom prst="rect">
+            <a:avLst/>
+          </a:prstGeom>
+        </p:spPr>
+      </p:pic>
+    </p:spTree>
+    <p:extLst>
+      <p:ext uri="{BB962C8B-B14F-4D97-AF65-F5344CB8AC3E}">
+        <p14:creationId xmlns:p14="http://schemas.microsoft.com/office/powerpoint/2010/main" val="668069388"/>
+      </p:ext>
+    </p:extLst>
+  </p:cSld>
+  <p:clrMapOvr>
+    <a:masterClrMapping/>
+  </p:clrMapOvr>
+</p:sld>
+</file>
+
+<file path=ppt/slides/slide25.xml><?xml version="1.0" encoding="utf-8"?>
+<p:sld xmlns:a="http://schemas.openxmlformats.org/drawingml/2006/main" xmlns:r="http://schemas.openxmlformats.org/officeDocument/2006/relationships" xmlns:p="http://schemas.openxmlformats.org/presentationml/2006/main">
+  <p:cSld>
+    <p:spTree>
+      <p:nvGrpSpPr>
+        <p:cNvPr id="1" name=""/>
+        <p:cNvGrpSpPr/>
+        <p:nvPr/>
+      </p:nvGrpSpPr>
+      <p:grpSpPr>
+        <a:xfrm>
+          <a:off x="0" y="0"/>
+          <a:ext cx="0" cy="0"/>
+          <a:chOff x="0" y="0"/>
+          <a:chExt cx="0" cy="0"/>
+        </a:xfrm>
+      </p:grpSpPr>
+      <p:sp>
+        <p:nvSpPr>
+          <p:cNvPr id="2" name="Title 1">
+            <a:extLst>
+              <a:ext uri="{FF2B5EF4-FFF2-40B4-BE49-F238E27FC236}">
+                <a16:creationId xmlns:a16="http://schemas.microsoft.com/office/drawing/2014/main" id="{38A5CCEF-7B4B-8E17-E857-2865CF610EAC}"/>
+              </a:ext>
+            </a:extLst>
+          </p:cNvPr>
+          <p:cNvSpPr>
+            <a:spLocks noGrp="1"/>
+          </p:cNvSpPr>
+          <p:nvPr>
+            <p:ph type="ctrTitle"/>
+          </p:nvPr>
+        </p:nvSpPr>
+        <p:spPr>
+          <a:xfrm>
+            <a:off x="1377371" y="952008"/>
+            <a:ext cx="9144000" cy="726102"/>
+          </a:xfrm>
+        </p:spPr>
+        <p:txBody>
+          <a:bodyPr>
+            <a:normAutofit fontScale="90000"/>
+          </a:bodyPr>
+          <a:lstStyle/>
+          <a:p>
+            <a:r>
+              <a:rPr lang="en-GB" dirty="0"/>
+              <a:t>Evaluating Performance of Classification Error Metrics</a:t>
+            </a:r>
+          </a:p>
+        </p:txBody>
+      </p:sp>
+      <p:pic>
+        <p:nvPicPr>
+          <p:cNvPr id="4" name="Picture 3">
+            <a:extLst>
+              <a:ext uri="{FF2B5EF4-FFF2-40B4-BE49-F238E27FC236}">
+                <a16:creationId xmlns:a16="http://schemas.microsoft.com/office/drawing/2014/main" id="{45EBC502-5826-16D5-B003-FF268C9A1501}"/>
+              </a:ext>
+            </a:extLst>
+          </p:cNvPr>
+          <p:cNvPicPr>
+            <a:picLocks noChangeAspect="1"/>
+          </p:cNvPicPr>
+          <p:nvPr/>
+        </p:nvPicPr>
+        <p:blipFill>
+          <a:blip r:embed="rId2"/>
+          <a:stretch>
+            <a:fillRect/>
+          </a:stretch>
+        </p:blipFill>
+        <p:spPr>
+          <a:xfrm>
+            <a:off x="2049429" y="2076636"/>
+            <a:ext cx="8093141" cy="3360711"/>
+          </a:xfrm>
+          <a:prstGeom prst="rect">
+            <a:avLst/>
+          </a:prstGeom>
+        </p:spPr>
+      </p:pic>
+    </p:spTree>
+    <p:extLst>
+      <p:ext uri="{BB962C8B-B14F-4D97-AF65-F5344CB8AC3E}">
+        <p14:creationId xmlns:p14="http://schemas.microsoft.com/office/powerpoint/2010/main" val="4192416382"/>
+      </p:ext>
+    </p:extLst>
+  </p:cSld>
+  <p:clrMapOvr>
+    <a:masterClrMapping/>
+  </p:clrMapOvr>
+</p:sld>
+</file>
+
+<file path=ppt/slides/slide26.xml><?xml version="1.0" encoding="utf-8"?>
+<p:sld xmlns:a="http://schemas.openxmlformats.org/drawingml/2006/main" xmlns:r="http://schemas.openxmlformats.org/officeDocument/2006/relationships" xmlns:p="http://schemas.openxmlformats.org/presentationml/2006/main">
+  <p:cSld>
+    <p:spTree>
+      <p:nvGrpSpPr>
+        <p:cNvPr id="1" name=""/>
+        <p:cNvGrpSpPr/>
+        <p:nvPr/>
+      </p:nvGrpSpPr>
+      <p:grpSpPr>
+        <a:xfrm>
+          <a:off x="0" y="0"/>
+          <a:ext cx="0" cy="0"/>
+          <a:chOff x="0" y="0"/>
+          <a:chExt cx="0" cy="0"/>
+        </a:xfrm>
+      </p:grpSpPr>
+      <p:sp>
+        <p:nvSpPr>
+          <p:cNvPr id="2" name="Title 1">
+            <a:extLst>
+              <a:ext uri="{FF2B5EF4-FFF2-40B4-BE49-F238E27FC236}">
+                <a16:creationId xmlns:a16="http://schemas.microsoft.com/office/drawing/2014/main" id="{38A5CCEF-7B4B-8E17-E857-2865CF610EAC}"/>
+              </a:ext>
+            </a:extLst>
+          </p:cNvPr>
+          <p:cNvSpPr>
+            <a:spLocks noGrp="1"/>
+          </p:cNvSpPr>
+          <p:nvPr>
+            <p:ph type="ctrTitle"/>
+          </p:nvPr>
+        </p:nvSpPr>
+        <p:spPr>
+          <a:xfrm>
+            <a:off x="1377371" y="952008"/>
+            <a:ext cx="9144000" cy="726102"/>
+          </a:xfrm>
+        </p:spPr>
+        <p:txBody>
+          <a:bodyPr>
+            <a:normAutofit fontScale="90000"/>
+          </a:bodyPr>
+          <a:lstStyle/>
+          <a:p>
+            <a:r>
+              <a:rPr lang="en-GB" dirty="0"/>
+              <a:t>Evaluating Performance of Classification Error Metrics</a:t>
+            </a:r>
+          </a:p>
+        </p:txBody>
+      </p:sp>
+      <p:pic>
+        <p:nvPicPr>
+          <p:cNvPr id="5" name="Picture 4">
+            <a:extLst>
+              <a:ext uri="{FF2B5EF4-FFF2-40B4-BE49-F238E27FC236}">
+                <a16:creationId xmlns:a16="http://schemas.microsoft.com/office/drawing/2014/main" id="{63E743CD-B103-65EC-97FB-AF0A57ECF6BC}"/>
+              </a:ext>
+            </a:extLst>
+          </p:cNvPr>
+          <p:cNvPicPr>
+            <a:picLocks noChangeAspect="1"/>
+          </p:cNvPicPr>
+          <p:nvPr/>
+        </p:nvPicPr>
+        <p:blipFill>
+          <a:blip r:embed="rId2"/>
+          <a:stretch>
+            <a:fillRect/>
+          </a:stretch>
+        </p:blipFill>
+        <p:spPr>
+          <a:xfrm>
+            <a:off x="2049429" y="1926380"/>
+            <a:ext cx="8093141" cy="3581710"/>
+          </a:xfrm>
+          <a:prstGeom prst="rect">
+            <a:avLst/>
+          </a:prstGeom>
+        </p:spPr>
+      </p:pic>
+    </p:spTree>
+    <p:extLst>
+      <p:ext uri="{BB962C8B-B14F-4D97-AF65-F5344CB8AC3E}">
+        <p14:creationId xmlns:p14="http://schemas.microsoft.com/office/powerpoint/2010/main" val="477365303"/>
+      </p:ext>
+    </p:extLst>
+  </p:cSld>
+  <p:clrMapOvr>
+    <a:masterClrMapping/>
+  </p:clrMapOvr>
+</p:sld>
+</file>
+
+<file path=ppt/slides/slide27.xml><?xml version="1.0" encoding="utf-8"?>
+<p:sld xmlns:a="http://schemas.openxmlformats.org/drawingml/2006/main" xmlns:r="http://schemas.openxmlformats.org/officeDocument/2006/relationships" xmlns:p="http://schemas.openxmlformats.org/presentationml/2006/main">
+  <p:cSld>
+    <p:spTree>
+      <p:nvGrpSpPr>
+        <p:cNvPr id="1" name=""/>
+        <p:cNvGrpSpPr/>
+        <p:nvPr/>
+      </p:nvGrpSpPr>
+      <p:grpSpPr>
+        <a:xfrm>
+          <a:off x="0" y="0"/>
+          <a:ext cx="0" cy="0"/>
+          <a:chOff x="0" y="0"/>
+          <a:chExt cx="0" cy="0"/>
+        </a:xfrm>
+      </p:grpSpPr>
+      <p:sp>
+        <p:nvSpPr>
+          <p:cNvPr id="2" name="Title 1">
+            <a:extLst>
+              <a:ext uri="{FF2B5EF4-FFF2-40B4-BE49-F238E27FC236}">
+                <a16:creationId xmlns:a16="http://schemas.microsoft.com/office/drawing/2014/main" id="{38A5CCEF-7B4B-8E17-E857-2865CF610EAC}"/>
+              </a:ext>
+            </a:extLst>
+          </p:cNvPr>
+          <p:cNvSpPr>
+            <a:spLocks noGrp="1"/>
+          </p:cNvSpPr>
+          <p:nvPr>
+            <p:ph type="ctrTitle"/>
+          </p:nvPr>
+        </p:nvSpPr>
+        <p:spPr>
+          <a:xfrm>
+            <a:off x="1377371" y="952008"/>
+            <a:ext cx="9144000" cy="726102"/>
+          </a:xfrm>
+        </p:spPr>
+        <p:txBody>
+          <a:bodyPr>
+            <a:normAutofit fontScale="90000"/>
+          </a:bodyPr>
+          <a:lstStyle/>
+          <a:p>
+            <a:r>
+              <a:rPr lang="en-GB" dirty="0"/>
+              <a:t>Evaluating Performance of Classification Error Metrics</a:t>
+            </a:r>
+          </a:p>
+        </p:txBody>
+      </p:sp>
+      <p:pic>
+        <p:nvPicPr>
+          <p:cNvPr id="4" name="Picture 3">
+            <a:extLst>
+              <a:ext uri="{FF2B5EF4-FFF2-40B4-BE49-F238E27FC236}">
+                <a16:creationId xmlns:a16="http://schemas.microsoft.com/office/drawing/2014/main" id="{28CE8ABC-BEAB-9ABB-1FCD-AF770EF52A09}"/>
+              </a:ext>
+            </a:extLst>
+          </p:cNvPr>
+          <p:cNvPicPr>
+            <a:picLocks noChangeAspect="1"/>
+          </p:cNvPicPr>
+          <p:nvPr/>
+        </p:nvPicPr>
+        <p:blipFill>
+          <a:blip r:embed="rId2"/>
+          <a:stretch>
+            <a:fillRect/>
+          </a:stretch>
+        </p:blipFill>
+        <p:spPr>
+          <a:xfrm>
+            <a:off x="1992274" y="2111090"/>
+            <a:ext cx="8207451" cy="3391194"/>
+          </a:xfrm>
+          <a:prstGeom prst="rect">
+            <a:avLst/>
+          </a:prstGeom>
+        </p:spPr>
+      </p:pic>
+    </p:spTree>
+    <p:extLst>
+      <p:ext uri="{BB962C8B-B14F-4D97-AF65-F5344CB8AC3E}">
+        <p14:creationId xmlns:p14="http://schemas.microsoft.com/office/powerpoint/2010/main" val="4140669143"/>
+      </p:ext>
+    </p:extLst>
+  </p:cSld>
+  <p:clrMapOvr>
+    <a:masterClrMapping/>
+  </p:clrMapOvr>
+</p:sld>
+</file>
+
+<file path=ppt/slides/slide28.xml><?xml version="1.0" encoding="utf-8"?>
+<p:sld xmlns:a="http://schemas.openxmlformats.org/drawingml/2006/main" xmlns:r="http://schemas.openxmlformats.org/officeDocument/2006/relationships" xmlns:p="http://schemas.openxmlformats.org/presentationml/2006/main">
+  <p:cSld>
+    <p:spTree>
+      <p:nvGrpSpPr>
+        <p:cNvPr id="1" name=""/>
+        <p:cNvGrpSpPr/>
+        <p:nvPr/>
+      </p:nvGrpSpPr>
+      <p:grpSpPr>
+        <a:xfrm>
+          <a:off x="0" y="0"/>
+          <a:ext cx="0" cy="0"/>
+          <a:chOff x="0" y="0"/>
+          <a:chExt cx="0" cy="0"/>
+        </a:xfrm>
+      </p:grpSpPr>
+      <p:sp>
+        <p:nvSpPr>
+          <p:cNvPr id="2" name="Title 1">
+            <a:extLst>
+              <a:ext uri="{FF2B5EF4-FFF2-40B4-BE49-F238E27FC236}">
+                <a16:creationId xmlns:a16="http://schemas.microsoft.com/office/drawing/2014/main" id="{38A5CCEF-7B4B-8E17-E857-2865CF610EAC}"/>
+              </a:ext>
+            </a:extLst>
+          </p:cNvPr>
+          <p:cNvSpPr>
+            <a:spLocks noGrp="1"/>
+          </p:cNvSpPr>
+          <p:nvPr>
+            <p:ph type="ctrTitle"/>
+          </p:nvPr>
+        </p:nvSpPr>
+        <p:spPr>
+          <a:xfrm>
+            <a:off x="1377371" y="952008"/>
+            <a:ext cx="9144000" cy="726102"/>
+          </a:xfrm>
+        </p:spPr>
+        <p:txBody>
+          <a:bodyPr>
+            <a:normAutofit fontScale="90000"/>
+          </a:bodyPr>
+          <a:lstStyle/>
+          <a:p>
+            <a:r>
+              <a:rPr lang="en-GB" dirty="0"/>
+              <a:t>Evaluating Performance of Classification Error Metrics</a:t>
+            </a:r>
+          </a:p>
+        </p:txBody>
+      </p:sp>
+      <p:pic>
+        <p:nvPicPr>
+          <p:cNvPr id="5" name="Picture 4">
+            <a:extLst>
+              <a:ext uri="{FF2B5EF4-FFF2-40B4-BE49-F238E27FC236}">
+                <a16:creationId xmlns:a16="http://schemas.microsoft.com/office/drawing/2014/main" id="{5957504D-46B5-F5CC-7ADB-B9C5DD3D781B}"/>
+              </a:ext>
+            </a:extLst>
+          </p:cNvPr>
+          <p:cNvPicPr>
+            <a:picLocks noChangeAspect="1"/>
+          </p:cNvPicPr>
+          <p:nvPr/>
+        </p:nvPicPr>
+        <p:blipFill>
+          <a:blip r:embed="rId2"/>
+          <a:stretch>
+            <a:fillRect/>
+          </a:stretch>
+        </p:blipFill>
+        <p:spPr>
+          <a:xfrm>
+            <a:off x="1693232" y="1905836"/>
+            <a:ext cx="8512278" cy="3642676"/>
+          </a:xfrm>
+          <a:prstGeom prst="rect">
+            <a:avLst/>
+          </a:prstGeom>
+        </p:spPr>
+      </p:pic>
+    </p:spTree>
+    <p:extLst>
+      <p:ext uri="{BB962C8B-B14F-4D97-AF65-F5344CB8AC3E}">
+        <p14:creationId xmlns:p14="http://schemas.microsoft.com/office/powerpoint/2010/main" val="1950477839"/>
+      </p:ext>
+    </p:extLst>
+  </p:cSld>
+  <p:clrMapOvr>
+    <a:masterClrMapping/>
+  </p:clrMapOvr>
+</p:sld>
+</file>
+
+<file path=ppt/slides/slide29.xml><?xml version="1.0" encoding="utf-8"?>
+<p:sld xmlns:a="http://schemas.openxmlformats.org/drawingml/2006/main" xmlns:r="http://schemas.openxmlformats.org/officeDocument/2006/relationships" xmlns:p="http://schemas.openxmlformats.org/presentationml/2006/main">
+  <p:cSld>
+    <p:spTree>
+      <p:nvGrpSpPr>
+        <p:cNvPr id="1" name=""/>
+        <p:cNvGrpSpPr/>
+        <p:nvPr/>
+      </p:nvGrpSpPr>
+      <p:grpSpPr>
+        <a:xfrm>
+          <a:off x="0" y="0"/>
+          <a:ext cx="0" cy="0"/>
+          <a:chOff x="0" y="0"/>
+          <a:chExt cx="0" cy="0"/>
+        </a:xfrm>
+      </p:grpSpPr>
+      <p:sp>
+        <p:nvSpPr>
+          <p:cNvPr id="2" name="Title 1">
+            <a:extLst>
+              <a:ext uri="{FF2B5EF4-FFF2-40B4-BE49-F238E27FC236}">
+                <a16:creationId xmlns:a16="http://schemas.microsoft.com/office/drawing/2014/main" id="{38A5CCEF-7B4B-8E17-E857-2865CF610EAC}"/>
+              </a:ext>
+            </a:extLst>
+          </p:cNvPr>
+          <p:cNvSpPr>
+            <a:spLocks noGrp="1"/>
+          </p:cNvSpPr>
+          <p:nvPr>
+            <p:ph type="ctrTitle"/>
+          </p:nvPr>
+        </p:nvSpPr>
+        <p:spPr>
+          <a:xfrm>
+            <a:off x="1377371" y="952008"/>
+            <a:ext cx="9144000" cy="726102"/>
+          </a:xfrm>
+        </p:spPr>
+        <p:txBody>
+          <a:bodyPr>
+            <a:normAutofit fontScale="90000"/>
+          </a:bodyPr>
+          <a:lstStyle/>
+          <a:p>
+            <a:r>
+              <a:rPr lang="en-GB" dirty="0"/>
+              <a:t>Evaluating Performance of Classification Error Metrics</a:t>
+            </a:r>
+          </a:p>
+        </p:txBody>
+      </p:sp>
+      <p:pic>
+        <p:nvPicPr>
+          <p:cNvPr id="4" name="Picture 3">
+            <a:extLst>
+              <a:ext uri="{FF2B5EF4-FFF2-40B4-BE49-F238E27FC236}">
+                <a16:creationId xmlns:a16="http://schemas.microsoft.com/office/drawing/2014/main" id="{83E8782F-B65A-2374-8B6E-557F18D68A22}"/>
+              </a:ext>
+            </a:extLst>
+          </p:cNvPr>
+          <p:cNvPicPr>
+            <a:picLocks noChangeAspect="1"/>
+          </p:cNvPicPr>
+          <p:nvPr/>
+        </p:nvPicPr>
+        <p:blipFill>
+          <a:blip r:embed="rId2"/>
+          <a:stretch>
+            <a:fillRect/>
+          </a:stretch>
+        </p:blipFill>
+        <p:spPr>
+          <a:xfrm>
+            <a:off x="2083722" y="2046818"/>
+            <a:ext cx="8024555" cy="3360711"/>
+          </a:xfrm>
+          <a:prstGeom prst="rect">
+            <a:avLst/>
+          </a:prstGeom>
+        </p:spPr>
+      </p:pic>
+    </p:spTree>
+    <p:extLst>
+      <p:ext uri="{BB962C8B-B14F-4D97-AF65-F5344CB8AC3E}">
+        <p14:creationId xmlns:p14="http://schemas.microsoft.com/office/powerpoint/2010/main" val="2329569498"/>
       </p:ext>
     </p:extLst>
   </p:cSld>
@@ -4038,6 +6507,291 @@
     <p:extLst>
       <p:ext uri="{BB962C8B-B14F-4D97-AF65-F5344CB8AC3E}">
         <p14:creationId xmlns:p14="http://schemas.microsoft.com/office/powerpoint/2010/main" val="2211811819"/>
+      </p:ext>
+    </p:extLst>
+  </p:cSld>
+  <p:clrMapOvr>
+    <a:masterClrMapping/>
+  </p:clrMapOvr>
+</p:sld>
+</file>
+
+<file path=ppt/slides/slide7.xml><?xml version="1.0" encoding="utf-8"?>
+<p:sld xmlns:a="http://schemas.openxmlformats.org/drawingml/2006/main" xmlns:r="http://schemas.openxmlformats.org/officeDocument/2006/relationships" xmlns:p="http://schemas.openxmlformats.org/presentationml/2006/main">
+  <p:cSld>
+    <p:spTree>
+      <p:nvGrpSpPr>
+        <p:cNvPr id="1" name=""/>
+        <p:cNvGrpSpPr/>
+        <p:nvPr/>
+      </p:nvGrpSpPr>
+      <p:grpSpPr>
+        <a:xfrm>
+          <a:off x="0" y="0"/>
+          <a:ext cx="0" cy="0"/>
+          <a:chOff x="0" y="0"/>
+          <a:chExt cx="0" cy="0"/>
+        </a:xfrm>
+      </p:grpSpPr>
+      <p:sp>
+        <p:nvSpPr>
+          <p:cNvPr id="2" name="Title 1">
+            <a:extLst>
+              <a:ext uri="{FF2B5EF4-FFF2-40B4-BE49-F238E27FC236}">
+                <a16:creationId xmlns:a16="http://schemas.microsoft.com/office/drawing/2014/main" id="{38A5CCEF-7B4B-8E17-E857-2865CF610EAC}"/>
+              </a:ext>
+            </a:extLst>
+          </p:cNvPr>
+          <p:cNvSpPr>
+            <a:spLocks noGrp="1"/>
+          </p:cNvSpPr>
+          <p:nvPr>
+            <p:ph type="ctrTitle"/>
+          </p:nvPr>
+        </p:nvSpPr>
+        <p:spPr>
+          <a:xfrm>
+            <a:off x="1377371" y="952008"/>
+            <a:ext cx="9144000" cy="726102"/>
+          </a:xfrm>
+        </p:spPr>
+        <p:txBody>
+          <a:bodyPr>
+            <a:normAutofit fontScale="90000"/>
+          </a:bodyPr>
+          <a:lstStyle/>
+          <a:p>
+            <a:r>
+              <a:rPr lang="en-GB" dirty="0"/>
+              <a:t>Evaluating Performance of Classification Error Metrics</a:t>
+            </a:r>
+          </a:p>
+        </p:txBody>
+      </p:sp>
+      <p:pic>
+        <p:nvPicPr>
+          <p:cNvPr id="5" name="Picture 4">
+            <a:extLst>
+              <a:ext uri="{FF2B5EF4-FFF2-40B4-BE49-F238E27FC236}">
+                <a16:creationId xmlns:a16="http://schemas.microsoft.com/office/drawing/2014/main" id="{42E5D75D-CF01-2BCB-ADA5-9200EB8D9297}"/>
+              </a:ext>
+            </a:extLst>
+          </p:cNvPr>
+          <p:cNvPicPr>
+            <a:picLocks noChangeAspect="1"/>
+          </p:cNvPicPr>
+          <p:nvPr/>
+        </p:nvPicPr>
+        <p:blipFill>
+          <a:blip r:embed="rId2"/>
+          <a:stretch>
+            <a:fillRect/>
+          </a:stretch>
+        </p:blipFill>
+        <p:spPr>
+          <a:xfrm>
+            <a:off x="1919878" y="1928007"/>
+            <a:ext cx="8352244" cy="3977985"/>
+          </a:xfrm>
+          <a:prstGeom prst="rect">
+            <a:avLst/>
+          </a:prstGeom>
+        </p:spPr>
+      </p:pic>
+    </p:spTree>
+    <p:extLst>
+      <p:ext uri="{BB962C8B-B14F-4D97-AF65-F5344CB8AC3E}">
+        <p14:creationId xmlns:p14="http://schemas.microsoft.com/office/powerpoint/2010/main" val="4199653636"/>
+      </p:ext>
+    </p:extLst>
+  </p:cSld>
+  <p:clrMapOvr>
+    <a:masterClrMapping/>
+  </p:clrMapOvr>
+</p:sld>
+</file>
+
+<file path=ppt/slides/slide8.xml><?xml version="1.0" encoding="utf-8"?>
+<p:sld xmlns:a="http://schemas.openxmlformats.org/drawingml/2006/main" xmlns:r="http://schemas.openxmlformats.org/officeDocument/2006/relationships" xmlns:p="http://schemas.openxmlformats.org/presentationml/2006/main">
+  <p:cSld>
+    <p:spTree>
+      <p:nvGrpSpPr>
+        <p:cNvPr id="1" name=""/>
+        <p:cNvGrpSpPr/>
+        <p:nvPr/>
+      </p:nvGrpSpPr>
+      <p:grpSpPr>
+        <a:xfrm>
+          <a:off x="0" y="0"/>
+          <a:ext cx="0" cy="0"/>
+          <a:chOff x="0" y="0"/>
+          <a:chExt cx="0" cy="0"/>
+        </a:xfrm>
+      </p:grpSpPr>
+      <p:sp>
+        <p:nvSpPr>
+          <p:cNvPr id="2" name="Title 1">
+            <a:extLst>
+              <a:ext uri="{FF2B5EF4-FFF2-40B4-BE49-F238E27FC236}">
+                <a16:creationId xmlns:a16="http://schemas.microsoft.com/office/drawing/2014/main" id="{38A5CCEF-7B4B-8E17-E857-2865CF610EAC}"/>
+              </a:ext>
+            </a:extLst>
+          </p:cNvPr>
+          <p:cNvSpPr>
+            <a:spLocks noGrp="1"/>
+          </p:cNvSpPr>
+          <p:nvPr>
+            <p:ph type="ctrTitle"/>
+          </p:nvPr>
+        </p:nvSpPr>
+        <p:spPr>
+          <a:xfrm>
+            <a:off x="1377371" y="952008"/>
+            <a:ext cx="9144000" cy="726102"/>
+          </a:xfrm>
+        </p:spPr>
+        <p:txBody>
+          <a:bodyPr>
+            <a:normAutofit fontScale="90000"/>
+          </a:bodyPr>
+          <a:lstStyle/>
+          <a:p>
+            <a:r>
+              <a:rPr lang="en-GB" dirty="0"/>
+              <a:t>Evaluating Performance of Classification Error Metrics</a:t>
+            </a:r>
+          </a:p>
+        </p:txBody>
+      </p:sp>
+      <p:pic>
+        <p:nvPicPr>
+          <p:cNvPr id="4" name="Picture 3">
+            <a:extLst>
+              <a:ext uri="{FF2B5EF4-FFF2-40B4-BE49-F238E27FC236}">
+                <a16:creationId xmlns:a16="http://schemas.microsoft.com/office/drawing/2014/main" id="{01251F97-F1FC-86C6-E33D-6336368770C7}"/>
+              </a:ext>
+            </a:extLst>
+          </p:cNvPr>
+          <p:cNvPicPr>
+            <a:picLocks noChangeAspect="1"/>
+          </p:cNvPicPr>
+          <p:nvPr/>
+        </p:nvPicPr>
+        <p:blipFill>
+          <a:blip r:embed="rId2"/>
+          <a:stretch>
+            <a:fillRect/>
+          </a:stretch>
+        </p:blipFill>
+        <p:spPr>
+          <a:xfrm>
+            <a:off x="1636077" y="1835920"/>
+            <a:ext cx="8626588" cy="3901778"/>
+          </a:xfrm>
+          <a:prstGeom prst="rect">
+            <a:avLst/>
+          </a:prstGeom>
+        </p:spPr>
+      </p:pic>
+    </p:spTree>
+    <p:extLst>
+      <p:ext uri="{BB962C8B-B14F-4D97-AF65-F5344CB8AC3E}">
+        <p14:creationId xmlns:p14="http://schemas.microsoft.com/office/powerpoint/2010/main" val="1854280312"/>
+      </p:ext>
+    </p:extLst>
+  </p:cSld>
+  <p:clrMapOvr>
+    <a:masterClrMapping/>
+  </p:clrMapOvr>
+</p:sld>
+</file>
+
+<file path=ppt/slides/slide9.xml><?xml version="1.0" encoding="utf-8"?>
+<p:sld xmlns:a="http://schemas.openxmlformats.org/drawingml/2006/main" xmlns:r="http://schemas.openxmlformats.org/officeDocument/2006/relationships" xmlns:p="http://schemas.openxmlformats.org/presentationml/2006/main">
+  <p:cSld>
+    <p:spTree>
+      <p:nvGrpSpPr>
+        <p:cNvPr id="1" name=""/>
+        <p:cNvGrpSpPr/>
+        <p:nvPr/>
+      </p:nvGrpSpPr>
+      <p:grpSpPr>
+        <a:xfrm>
+          <a:off x="0" y="0"/>
+          <a:ext cx="0" cy="0"/>
+          <a:chOff x="0" y="0"/>
+          <a:chExt cx="0" cy="0"/>
+        </a:xfrm>
+      </p:grpSpPr>
+      <p:sp>
+        <p:nvSpPr>
+          <p:cNvPr id="2" name="Title 1">
+            <a:extLst>
+              <a:ext uri="{FF2B5EF4-FFF2-40B4-BE49-F238E27FC236}">
+                <a16:creationId xmlns:a16="http://schemas.microsoft.com/office/drawing/2014/main" id="{38A5CCEF-7B4B-8E17-E857-2865CF610EAC}"/>
+              </a:ext>
+            </a:extLst>
+          </p:cNvPr>
+          <p:cNvSpPr>
+            <a:spLocks noGrp="1"/>
+          </p:cNvSpPr>
+          <p:nvPr>
+            <p:ph type="ctrTitle"/>
+          </p:nvPr>
+        </p:nvSpPr>
+        <p:spPr>
+          <a:xfrm>
+            <a:off x="1377371" y="952008"/>
+            <a:ext cx="9144000" cy="726102"/>
+          </a:xfrm>
+        </p:spPr>
+        <p:txBody>
+          <a:bodyPr>
+            <a:normAutofit fontScale="90000"/>
+          </a:bodyPr>
+          <a:lstStyle/>
+          <a:p>
+            <a:r>
+              <a:rPr lang="en-GB" dirty="0"/>
+              <a:t>Evaluating Performance of Classification Error Metrics</a:t>
+            </a:r>
+          </a:p>
+        </p:txBody>
+      </p:sp>
+      <p:pic>
+        <p:nvPicPr>
+          <p:cNvPr id="5" name="Picture 4">
+            <a:extLst>
+              <a:ext uri="{FF2B5EF4-FFF2-40B4-BE49-F238E27FC236}">
+                <a16:creationId xmlns:a16="http://schemas.microsoft.com/office/drawing/2014/main" id="{361DA61A-66C1-F9BA-AC18-089B76A29F81}"/>
+              </a:ext>
+            </a:extLst>
+          </p:cNvPr>
+          <p:cNvPicPr>
+            <a:picLocks noChangeAspect="1"/>
+          </p:cNvPicPr>
+          <p:nvPr/>
+        </p:nvPicPr>
+        <p:blipFill>
+          <a:blip r:embed="rId2"/>
+          <a:stretch>
+            <a:fillRect/>
+          </a:stretch>
+        </p:blipFill>
+        <p:spPr>
+          <a:xfrm>
+            <a:off x="1620835" y="1981376"/>
+            <a:ext cx="9567301" cy="3924615"/>
+          </a:xfrm>
+          <a:prstGeom prst="rect">
+            <a:avLst/>
+          </a:prstGeom>
+        </p:spPr>
+      </p:pic>
+    </p:spTree>
+    <p:extLst>
+      <p:ext uri="{BB962C8B-B14F-4D97-AF65-F5344CB8AC3E}">
+        <p14:creationId xmlns:p14="http://schemas.microsoft.com/office/powerpoint/2010/main" val="2206804692"/>
       </p:ext>
     </p:extLst>
   </p:cSld>
